--- a/4 ⚙️ Solution/20 🧑‍🦰 UI/24 🗄️ Vaults/.📎 Assets/🗄️ .pptx
+++ b/4 ⚙️ Solution/20 🧑‍🦰 UI/24 🗄️ Vaults/.📎 Assets/🗄️ .pptx
@@ -27,7 +27,7 @@
       <p:boldItalic r:id="rId11"/>
     </p:embeddedFont>
     <p:embeddedFont>
-      <p:font typeface="Amazon Ember Display" panose="020B0603020204020204" pitchFamily="34" charset="0"/>
+      <p:font typeface="Amazon Ember Display" panose="020F0603020204020204" pitchFamily="34" charset="0"/>
       <p:regular r:id="rId12"/>
       <p:bold r:id="rId13"/>
       <p:italic r:id="rId14"/>
@@ -720,7 +720,7 @@
           <a:p>
             <a:fld id="{542F96DF-134D-4F6A-BFA6-E032E504EEEB}" type="datetime8">
               <a:rPr lang="en-US" smtClean="0"/>
-              <a:t>4/22/25 9:15 PM</a:t>
+              <a:t>8/28/25 1:14 AM</a:t>
             </a:fld>
             <a:endParaRPr lang="en-US"/>
           </a:p>
@@ -927,7 +927,7 @@
           <a:p>
             <a:fld id="{542F96DF-134D-4F6A-BFA6-E032E504EEEB}" type="datetime8">
               <a:rPr lang="en-US" smtClean="0"/>
-              <a:t>4/22/25 9:15 PM</a:t>
+              <a:t>8/28/25 1:14 AM</a:t>
             </a:fld>
             <a:endParaRPr lang="en-US" dirty="0"/>
           </a:p>
@@ -1134,7 +1134,7 @@
           <a:p>
             <a:fld id="{542F96DF-134D-4F6A-BFA6-E032E504EEEB}" type="datetime8">
               <a:rPr lang="en-US" smtClean="0"/>
-              <a:t>4/22/25 9:15 PM</a:t>
+              <a:t>8/28/25 1:14 AM</a:t>
             </a:fld>
             <a:endParaRPr lang="en-US" dirty="0"/>
           </a:p>

--- a/4 ⚙️ Solution/20 🧑‍🦰 UI/24 🗄️ Vaults/.📎 Assets/🗄️ .pptx
+++ b/4 ⚙️ Solution/20 🧑‍🦰 UI/24 🗄️ Vaults/.📎 Assets/🗄️ .pptx
@@ -5,40 +5,39 @@
     <p:sldMasterId id="2147483648" r:id="rId1"/>
   </p:sldMasterIdLst>
   <p:notesMasterIdLst>
-    <p:notesMasterId r:id="rId6"/>
+    <p:notesMasterId r:id="rId5"/>
   </p:notesMasterIdLst>
   <p:handoutMasterIdLst>
-    <p:handoutMasterId r:id="rId7"/>
+    <p:handoutMasterId r:id="rId6"/>
   </p:handoutMasterIdLst>
   <p:sldIdLst>
     <p:sldId id="1826" r:id="rId2"/>
     <p:sldId id="1693" r:id="rId3"/>
     <p:sldId id="1702" r:id="rId4"/>
-    <p:sldId id="1713" r:id="rId5"/>
   </p:sldIdLst>
   <p:sldSz cx="12192000" cy="6858000"/>
   <p:notesSz cx="6858000" cy="9144000"/>
   <p:embeddedFontLst>
     <p:embeddedFont>
       <p:font typeface="Amazon Ember" panose="020B0603020204020204" pitchFamily="34" charset="0"/>
-      <p:regular r:id="rId8"/>
-      <p:bold r:id="rId9"/>
-      <p:italic r:id="rId10"/>
-      <p:boldItalic r:id="rId11"/>
+      <p:regular r:id="rId7"/>
+      <p:bold r:id="rId8"/>
+      <p:italic r:id="rId9"/>
+      <p:boldItalic r:id="rId10"/>
     </p:embeddedFont>
     <p:embeddedFont>
       <p:font typeface="Amazon Ember Display" panose="020F0603020204020204" pitchFamily="34" charset="0"/>
-      <p:regular r:id="rId12"/>
-      <p:bold r:id="rId13"/>
-      <p:italic r:id="rId14"/>
-      <p:boldItalic r:id="rId15"/>
+      <p:regular r:id="rId11"/>
+      <p:bold r:id="rId12"/>
+      <p:italic r:id="rId13"/>
+      <p:boldItalic r:id="rId14"/>
     </p:embeddedFont>
     <p:embeddedFont>
       <p:font typeface="Segoe UI" panose="020B0502040204020203" pitchFamily="34" charset="0"/>
-      <p:regular r:id="rId16"/>
-      <p:bold r:id="rId17"/>
-      <p:italic r:id="rId18"/>
-      <p:boldItalic r:id="rId19"/>
+      <p:regular r:id="rId15"/>
+      <p:bold r:id="rId16"/>
+      <p:italic r:id="rId17"/>
+      <p:boldItalic r:id="rId18"/>
     </p:embeddedFont>
   </p:embeddedFontLst>
   <p:defaultTextStyle>
@@ -144,7 +143,6 @@
             <p14:sldId id="1826"/>
             <p14:sldId id="1693"/>
             <p14:sldId id="1702"/>
-            <p14:sldId id="1713"/>
           </p14:sldIdLst>
         </p14:section>
         <p14:section name="." id="{4C3050E7-71FD-354D-B394-185F1158456F}">
@@ -720,7 +718,7 @@
           <a:p>
             <a:fld id="{542F96DF-134D-4F6A-BFA6-E032E504EEEB}" type="datetime8">
               <a:rPr lang="en-US" smtClean="0"/>
-              <a:t>8/28/25 1:14 AM</a:t>
+              <a:t>9/12/25 9:29 AM</a:t>
             </a:fld>
             <a:endParaRPr lang="en-US"/>
           </a:p>
@@ -927,7 +925,7 @@
           <a:p>
             <a:fld id="{542F96DF-134D-4F6A-BFA6-E032E504EEEB}" type="datetime8">
               <a:rPr lang="en-US" smtClean="0"/>
-              <a:t>8/28/25 1:14 AM</a:t>
+              <a:t>9/12/25 9:29 AM</a:t>
             </a:fld>
             <a:endParaRPr lang="en-US" dirty="0"/>
           </a:p>
@@ -967,213 +965,6 @@
     <p:extLst>
       <p:ext uri="{BB962C8B-B14F-4D97-AF65-F5344CB8AC3E}">
         <p14:creationId xmlns:p14="http://schemas.microsoft.com/office/powerpoint/2010/main" val="2496819699"/>
-      </p:ext>
-    </p:extLst>
-  </p:cSld>
-  <p:clrMapOvr>
-    <a:masterClrMapping/>
-  </p:clrMapOvr>
-</p:notes>
-</file>
-
-<file path=ppt/notesSlides/notesSlide3.xml><?xml version="1.0" encoding="utf-8"?>
-<p:notes xmlns:a="http://schemas.openxmlformats.org/drawingml/2006/main" xmlns:r="http://schemas.openxmlformats.org/officeDocument/2006/relationships" xmlns:p="http://schemas.openxmlformats.org/presentationml/2006/main">
-  <p:cSld>
-    <p:spTree>
-      <p:nvGrpSpPr>
-        <p:cNvPr id="1" name="">
-          <a:extLst>
-            <a:ext uri="{FF2B5EF4-FFF2-40B4-BE49-F238E27FC236}">
-              <a16:creationId xmlns:a16="http://schemas.microsoft.com/office/drawing/2014/main" id="{1A6EDF66-FD8F-6F3E-58A3-1B25AB47DA30}"/>
-            </a:ext>
-          </a:extLst>
-        </p:cNvPr>
-        <p:cNvGrpSpPr/>
-        <p:nvPr/>
-      </p:nvGrpSpPr>
-      <p:grpSpPr>
-        <a:xfrm>
-          <a:off x="0" y="0"/>
-          <a:ext cx="0" cy="0"/>
-          <a:chOff x="0" y="0"/>
-          <a:chExt cx="0" cy="0"/>
-        </a:xfrm>
-      </p:grpSpPr>
-      <p:sp>
-        <p:nvSpPr>
-          <p:cNvPr id="2" name="Slide Image Placeholder 1">
-            <a:extLst>
-              <a:ext uri="{FF2B5EF4-FFF2-40B4-BE49-F238E27FC236}">
-                <a16:creationId xmlns:a16="http://schemas.microsoft.com/office/drawing/2014/main" id="{779E41C8-4D10-0BC2-73C7-C4AD8B1E270A}"/>
-              </a:ext>
-            </a:extLst>
-          </p:cNvPr>
-          <p:cNvSpPr>
-            <a:spLocks noGrp="1" noRot="1" noChangeAspect="1"/>
-          </p:cNvSpPr>
-          <p:nvPr>
-            <p:ph type="sldImg"/>
-          </p:nvPr>
-        </p:nvSpPr>
-        <p:spPr>
-          <a:xfrm>
-            <a:off x="438150" y="457200"/>
-            <a:ext cx="5981700" cy="3363913"/>
-          </a:xfrm>
-        </p:spPr>
-      </p:sp>
-      <p:sp>
-        <p:nvSpPr>
-          <p:cNvPr id="3" name="Notes Placeholder 2">
-            <a:extLst>
-              <a:ext uri="{FF2B5EF4-FFF2-40B4-BE49-F238E27FC236}">
-                <a16:creationId xmlns:a16="http://schemas.microsoft.com/office/drawing/2014/main" id="{A0E687E9-8385-C4C7-6BBF-BDA5DF94C34B}"/>
-              </a:ext>
-            </a:extLst>
-          </p:cNvPr>
-          <p:cNvSpPr>
-            <a:spLocks noGrp="1"/>
-          </p:cNvSpPr>
-          <p:nvPr>
-            <p:ph type="body" idx="1"/>
-          </p:nvPr>
-        </p:nvSpPr>
-        <p:spPr/>
-        <p:txBody>
-          <a:bodyPr/>
-          <a:lstStyle/>
-          <a:p>
-            <a:endParaRPr lang="en-US" dirty="0"/>
-          </a:p>
-        </p:txBody>
-      </p:sp>
-      <p:sp>
-        <p:nvSpPr>
-          <p:cNvPr id="4" name="Header Placeholder 3">
-            <a:extLst>
-              <a:ext uri="{FF2B5EF4-FFF2-40B4-BE49-F238E27FC236}">
-                <a16:creationId xmlns:a16="http://schemas.microsoft.com/office/drawing/2014/main" id="{56F21A49-A9FC-BF7D-52E0-4A0DC8F28568}"/>
-              </a:ext>
-            </a:extLst>
-          </p:cNvPr>
-          <p:cNvSpPr>
-            <a:spLocks noGrp="1"/>
-          </p:cNvSpPr>
-          <p:nvPr>
-            <p:ph type="hdr" sz="quarter" idx="10"/>
-          </p:nvPr>
-        </p:nvSpPr>
-        <p:spPr/>
-        <p:txBody>
-          <a:bodyPr/>
-          <a:lstStyle/>
-          <a:p>
-            <a:endParaRPr lang="en-US" dirty="0"/>
-          </a:p>
-        </p:txBody>
-      </p:sp>
-      <p:sp>
-        <p:nvSpPr>
-          <p:cNvPr id="5" name="Footer Placeholder 4">
-            <a:extLst>
-              <a:ext uri="{FF2B5EF4-FFF2-40B4-BE49-F238E27FC236}">
-                <a16:creationId xmlns:a16="http://schemas.microsoft.com/office/drawing/2014/main" id="{EB6CC099-6DC3-F1FB-957C-BC859C214CA5}"/>
-              </a:ext>
-            </a:extLst>
-          </p:cNvPr>
-          <p:cNvSpPr>
-            <a:spLocks noGrp="1"/>
-          </p:cNvSpPr>
-          <p:nvPr>
-            <p:ph type="ftr" sz="quarter" idx="11"/>
-          </p:nvPr>
-        </p:nvSpPr>
-        <p:spPr/>
-        <p:txBody>
-          <a:bodyPr/>
-          <a:lstStyle/>
-          <a:p>
-            <a:pPr defTabSz="914099" eaLnBrk="0" hangingPunct="0"/>
-            <a:endParaRPr lang="en-US" sz="400" dirty="0">
-              <a:gradFill>
-                <a:gsLst>
-                  <a:gs pos="0">
-                    <a:prstClr val="black"/>
-                  </a:gs>
-                  <a:gs pos="100000">
-                    <a:prstClr val="black"/>
-                  </a:gs>
-                </a:gsLst>
-                <a:lin ang="5400000" scaled="0"/>
-              </a:gradFill>
-              <a:ea typeface="Segoe UI" pitchFamily="34" charset="0"/>
-            </a:endParaRPr>
-          </a:p>
-        </p:txBody>
-      </p:sp>
-      <p:sp>
-        <p:nvSpPr>
-          <p:cNvPr id="6" name="Date Placeholder 5">
-            <a:extLst>
-              <a:ext uri="{FF2B5EF4-FFF2-40B4-BE49-F238E27FC236}">
-                <a16:creationId xmlns:a16="http://schemas.microsoft.com/office/drawing/2014/main" id="{6C0F8272-C2CA-F3DB-3EE1-C311E54EB69E}"/>
-              </a:ext>
-            </a:extLst>
-          </p:cNvPr>
-          <p:cNvSpPr>
-            <a:spLocks noGrp="1"/>
-          </p:cNvSpPr>
-          <p:nvPr>
-            <p:ph type="dt" idx="12"/>
-          </p:nvPr>
-        </p:nvSpPr>
-        <p:spPr/>
-        <p:txBody>
-          <a:bodyPr/>
-          <a:lstStyle/>
-          <a:p>
-            <a:fld id="{542F96DF-134D-4F6A-BFA6-E032E504EEEB}" type="datetime8">
-              <a:rPr lang="en-US" smtClean="0"/>
-              <a:t>8/28/25 1:14 AM</a:t>
-            </a:fld>
-            <a:endParaRPr lang="en-US" dirty="0"/>
-          </a:p>
-        </p:txBody>
-      </p:sp>
-      <p:sp>
-        <p:nvSpPr>
-          <p:cNvPr id="7" name="Slide Number Placeholder 6">
-            <a:extLst>
-              <a:ext uri="{FF2B5EF4-FFF2-40B4-BE49-F238E27FC236}">
-                <a16:creationId xmlns:a16="http://schemas.microsoft.com/office/drawing/2014/main" id="{0D00F871-9F7E-8745-4143-52D4B4212F07}"/>
-              </a:ext>
-            </a:extLst>
-          </p:cNvPr>
-          <p:cNvSpPr>
-            <a:spLocks noGrp="1"/>
-          </p:cNvSpPr>
-          <p:nvPr>
-            <p:ph type="sldNum" sz="quarter" idx="13"/>
-          </p:nvPr>
-        </p:nvSpPr>
-        <p:spPr/>
-        <p:txBody>
-          <a:bodyPr/>
-          <a:lstStyle/>
-          <a:p>
-            <a:fld id="{B4008EB6-D09E-4580-8CD6-DDB14511944F}" type="slidenum">
-              <a:rPr lang="en-US" smtClean="0"/>
-              <a:pPr/>
-              <a:t>4</a:t>
-            </a:fld>
-            <a:endParaRPr lang="en-US" dirty="0"/>
-          </a:p>
-        </p:txBody>
-      </p:sp>
-    </p:spTree>
-    <p:extLst>
-      <p:ext uri="{BB962C8B-B14F-4D97-AF65-F5344CB8AC3E}">
-        <p14:creationId xmlns:p14="http://schemas.microsoft.com/office/powerpoint/2010/main" val="746289617"/>
       </p:ext>
     </p:extLst>
   </p:cSld>
@@ -4613,3995 +4404,6 @@
       <p:bldP spid="13" grpId="1"/>
     </p:bldLst>
   </p:timing>
-</p:sld>
-</file>
-
-<file path=ppt/slides/slide4.xml><?xml version="1.0" encoding="utf-8"?>
-<p:sld xmlns:a="http://schemas.openxmlformats.org/drawingml/2006/main" xmlns:r="http://schemas.openxmlformats.org/officeDocument/2006/relationships" xmlns:p="http://schemas.openxmlformats.org/presentationml/2006/main">
-  <p:cSld>
-    <p:spTree>
-      <p:nvGrpSpPr>
-        <p:cNvPr id="1" name="">
-          <a:extLst>
-            <a:ext uri="{FF2B5EF4-FFF2-40B4-BE49-F238E27FC236}">
-              <a16:creationId xmlns:a16="http://schemas.microsoft.com/office/drawing/2014/main" id="{85BDA073-4CD7-AB58-F062-A90DBAE24C10}"/>
-            </a:ext>
-          </a:extLst>
-        </p:cNvPr>
-        <p:cNvGrpSpPr/>
-        <p:nvPr/>
-      </p:nvGrpSpPr>
-      <p:grpSpPr>
-        <a:xfrm>
-          <a:off x="0" y="0"/>
-          <a:ext cx="0" cy="0"/>
-          <a:chOff x="0" y="0"/>
-          <a:chExt cx="0" cy="0"/>
-        </a:xfrm>
-      </p:grpSpPr>
-      <p:cxnSp>
-        <p:nvCxnSpPr>
-          <p:cNvPr id="16" name="Straight Arrow Connector 12">
-            <a:extLst>
-              <a:ext uri="{FF2B5EF4-FFF2-40B4-BE49-F238E27FC236}">
-                <a16:creationId xmlns:a16="http://schemas.microsoft.com/office/drawing/2014/main" id="{890BC91C-FD1D-4C11-AADA-45379D06D785}"/>
-              </a:ext>
-            </a:extLst>
-          </p:cNvPr>
-          <p:cNvCxnSpPr>
-            <a:cxnSpLocks/>
-          </p:cNvCxnSpPr>
-          <p:nvPr/>
-        </p:nvCxnSpPr>
-        <p:spPr>
-          <a:xfrm flipV="1">
-            <a:off x="5481149" y="1337296"/>
-            <a:ext cx="0" cy="1388904"/>
-          </a:xfrm>
-          <a:prstGeom prst="straightConnector1">
-            <a:avLst/>
-          </a:prstGeom>
-          <a:ln w="19050" cap="rnd">
-            <a:solidFill>
-              <a:schemeClr val="tx1">
-                <a:lumMod val="75000"/>
-              </a:schemeClr>
-            </a:solidFill>
-            <a:round/>
-            <a:headEnd type="triangle" w="lg" len="lg"/>
-            <a:tailEnd type="none" w="lg" len="lg"/>
-          </a:ln>
-        </p:spPr>
-        <p:style>
-          <a:lnRef idx="1">
-            <a:schemeClr val="accent1"/>
-          </a:lnRef>
-          <a:fillRef idx="0">
-            <a:schemeClr val="accent1"/>
-          </a:fillRef>
-          <a:effectRef idx="0">
-            <a:schemeClr val="accent1"/>
-          </a:effectRef>
-          <a:fontRef idx="minor">
-            <a:schemeClr val="tx1"/>
-          </a:fontRef>
-        </p:style>
-      </p:cxnSp>
-      <p:cxnSp>
-        <p:nvCxnSpPr>
-          <p:cNvPr id="52" name="Straight Arrow Connector 12">
-            <a:extLst>
-              <a:ext uri="{FF2B5EF4-FFF2-40B4-BE49-F238E27FC236}">
-                <a16:creationId xmlns:a16="http://schemas.microsoft.com/office/drawing/2014/main" id="{BDB76368-51D4-F58B-299D-D8C2DE092158}"/>
-              </a:ext>
-            </a:extLst>
-          </p:cNvPr>
-          <p:cNvCxnSpPr>
-            <a:cxnSpLocks/>
-            <a:stCxn id="154" idx="3"/>
-            <a:endCxn id="155" idx="3"/>
-          </p:cNvCxnSpPr>
-          <p:nvPr/>
-        </p:nvCxnSpPr>
-        <p:spPr>
-          <a:xfrm>
-            <a:off x="8915398" y="815959"/>
-            <a:ext cx="18616" cy="5092259"/>
-          </a:xfrm>
-          <a:prstGeom prst="bentConnector3">
-            <a:avLst>
-              <a:gd name="adj1" fmla="val 8377466"/>
-            </a:avLst>
-          </a:prstGeom>
-          <a:ln w="19050" cap="rnd">
-            <a:solidFill>
-              <a:schemeClr val="tx1">
-                <a:lumMod val="75000"/>
-              </a:schemeClr>
-            </a:solidFill>
-            <a:round/>
-            <a:tailEnd type="triangle" w="lg" len="lg"/>
-          </a:ln>
-        </p:spPr>
-        <p:style>
-          <a:lnRef idx="1">
-            <a:schemeClr val="accent1"/>
-          </a:lnRef>
-          <a:fillRef idx="0">
-            <a:schemeClr val="accent1"/>
-          </a:fillRef>
-          <a:effectRef idx="0">
-            <a:schemeClr val="accent1"/>
-          </a:effectRef>
-          <a:fontRef idx="minor">
-            <a:schemeClr val="tx1"/>
-          </a:fontRef>
-        </p:style>
-      </p:cxnSp>
-      <p:sp>
-        <p:nvSpPr>
-          <p:cNvPr id="71" name="Content Placeholder 2">
-            <a:extLst>
-              <a:ext uri="{FF2B5EF4-FFF2-40B4-BE49-F238E27FC236}">
-                <a16:creationId xmlns:a16="http://schemas.microsoft.com/office/drawing/2014/main" id="{76047DB9-9A8D-2685-3174-C201B72CEC77}"/>
-              </a:ext>
-            </a:extLst>
-          </p:cNvPr>
-          <p:cNvSpPr txBox="1">
-            <a:spLocks/>
-          </p:cNvSpPr>
-          <p:nvPr/>
-        </p:nvSpPr>
-        <p:spPr>
-          <a:xfrm>
-            <a:off x="5503370" y="1555788"/>
-            <a:ext cx="1019653" cy="400110"/>
-          </a:xfrm>
-          <a:prstGeom prst="rect">
-            <a:avLst/>
-          </a:prstGeom>
-        </p:spPr>
-        <p:txBody>
-          <a:bodyPr wrap="square">
-            <a:spAutoFit/>
-          </a:bodyPr>
-          <a:lstStyle>
-            <a:lvl1pPr marL="228600" indent="-228600" algn="l" defTabSz="914400" rtl="0" eaLnBrk="1" latinLnBrk="0" hangingPunct="1">
-              <a:lnSpc>
-                <a:spcPct val="90000"/>
-              </a:lnSpc>
-              <a:spcBef>
-                <a:spcPts val="0"/>
-              </a:spcBef>
-              <a:spcAft>
-                <a:spcPts val="1200"/>
-              </a:spcAft>
-              <a:buSzPct val="90000"/>
-              <a:buFont typeface="Amazon Ember" panose="020B0603020204020204" pitchFamily="34" charset="0"/>
-              <a:buChar char="•"/>
-              <a:defRPr sz="2800" kern="1200">
-                <a:solidFill>
-                  <a:schemeClr val="tx1"/>
-                </a:solidFill>
-                <a:latin typeface="+mn-lt"/>
-                <a:ea typeface="+mn-ea"/>
-                <a:cs typeface="+mn-cs"/>
-              </a:defRPr>
-            </a:lvl1pPr>
-            <a:lvl2pPr marL="457200" indent="-228600" algn="l" defTabSz="914400" rtl="0" eaLnBrk="1" latinLnBrk="0" hangingPunct="1">
-              <a:lnSpc>
-                <a:spcPct val="90000"/>
-              </a:lnSpc>
-              <a:spcBef>
-                <a:spcPts val="0"/>
-              </a:spcBef>
-              <a:spcAft>
-                <a:spcPts val="1200"/>
-              </a:spcAft>
-              <a:buSzPct val="90000"/>
-              <a:buFont typeface="Wingdings" panose="05000000000000000000" pitchFamily="2" charset="2"/>
-              <a:buChar char="§"/>
-              <a:defRPr sz="2400" kern="1200">
-                <a:solidFill>
-                  <a:schemeClr val="tx1"/>
-                </a:solidFill>
-                <a:latin typeface="+mn-lt"/>
-                <a:ea typeface="+mn-ea"/>
-                <a:cs typeface="+mn-cs"/>
-              </a:defRPr>
-            </a:lvl2pPr>
-            <a:lvl3pPr marL="685800" indent="-228600" algn="l" defTabSz="914400" rtl="0" eaLnBrk="1" latinLnBrk="0" hangingPunct="1">
-              <a:lnSpc>
-                <a:spcPct val="90000"/>
-              </a:lnSpc>
-              <a:spcBef>
-                <a:spcPts val="0"/>
-              </a:spcBef>
-              <a:spcAft>
-                <a:spcPts val="1200"/>
-              </a:spcAft>
-              <a:buSzPct val="90000"/>
-              <a:buFont typeface="Amazon Ember" panose="020B0603020204020204" pitchFamily="34" charset="0"/>
-              <a:buChar char="–"/>
-              <a:defRPr sz="2000" kern="1200">
-                <a:solidFill>
-                  <a:schemeClr val="tx1"/>
-                </a:solidFill>
-                <a:latin typeface="+mn-lt"/>
-                <a:ea typeface="+mn-ea"/>
-                <a:cs typeface="+mn-cs"/>
-              </a:defRPr>
-            </a:lvl3pPr>
-            <a:lvl4pPr marL="914400" indent="-228600" algn="l" defTabSz="914400" rtl="0" eaLnBrk="1" latinLnBrk="0" hangingPunct="1">
-              <a:lnSpc>
-                <a:spcPct val="90000"/>
-              </a:lnSpc>
-              <a:spcBef>
-                <a:spcPts val="0"/>
-              </a:spcBef>
-              <a:spcAft>
-                <a:spcPts val="1200"/>
-              </a:spcAft>
-              <a:buFont typeface="Amazon Ember" panose="020B0603020204020204" pitchFamily="34" charset="0"/>
-              <a:buChar char="•"/>
-              <a:defRPr sz="1800" kern="1200">
-                <a:solidFill>
-                  <a:schemeClr val="tx1"/>
-                </a:solidFill>
-                <a:latin typeface="+mn-lt"/>
-                <a:ea typeface="+mn-ea"/>
-                <a:cs typeface="+mn-cs"/>
-              </a:defRPr>
-            </a:lvl4pPr>
-            <a:lvl5pPr marL="1143000" indent="-228600" algn="l" defTabSz="914400" rtl="0" eaLnBrk="1" latinLnBrk="0" hangingPunct="1">
-              <a:lnSpc>
-                <a:spcPct val="90000"/>
-              </a:lnSpc>
-              <a:spcBef>
-                <a:spcPts val="0"/>
-              </a:spcBef>
-              <a:spcAft>
-                <a:spcPts val="1200"/>
-              </a:spcAft>
-              <a:buFont typeface="Amazon Ember" panose="020B0603020204020204" pitchFamily="34" charset="0"/>
-              <a:buChar char="•"/>
-              <a:defRPr sz="1800" kern="1200">
-                <a:solidFill>
-                  <a:schemeClr val="tx1"/>
-                </a:solidFill>
-                <a:latin typeface="+mn-lt"/>
-                <a:ea typeface="+mn-ea"/>
-                <a:cs typeface="+mn-cs"/>
-              </a:defRPr>
-            </a:lvl5pPr>
-            <a:lvl6pPr marL="2514600" indent="-228600" algn="l" defTabSz="914400" rtl="0" eaLnBrk="1" latinLnBrk="0" hangingPunct="1">
-              <a:lnSpc>
-                <a:spcPct val="90000"/>
-              </a:lnSpc>
-              <a:spcBef>
-                <a:spcPts val="500"/>
-              </a:spcBef>
-              <a:buFont typeface="Amazon Ember" panose="020B0603020204020204" pitchFamily="34" charset="0"/>
-              <a:buChar char="•"/>
-              <a:defRPr sz="1800" kern="1200">
-                <a:solidFill>
-                  <a:schemeClr val="tx1"/>
-                </a:solidFill>
-                <a:latin typeface="+mn-lt"/>
-                <a:ea typeface="+mn-ea"/>
-                <a:cs typeface="+mn-cs"/>
-              </a:defRPr>
-            </a:lvl6pPr>
-            <a:lvl7pPr marL="2971800" indent="-228600" algn="l" defTabSz="914400" rtl="0" eaLnBrk="1" latinLnBrk="0" hangingPunct="1">
-              <a:lnSpc>
-                <a:spcPct val="90000"/>
-              </a:lnSpc>
-              <a:spcBef>
-                <a:spcPts val="500"/>
-              </a:spcBef>
-              <a:buFont typeface="Amazon Ember" panose="020B0603020204020204" pitchFamily="34" charset="0"/>
-              <a:buChar char="•"/>
-              <a:defRPr sz="1800" kern="1200">
-                <a:solidFill>
-                  <a:schemeClr val="tx1"/>
-                </a:solidFill>
-                <a:latin typeface="+mn-lt"/>
-                <a:ea typeface="+mn-ea"/>
-                <a:cs typeface="+mn-cs"/>
-              </a:defRPr>
-            </a:lvl7pPr>
-            <a:lvl8pPr marL="3429000" indent="-228600" algn="l" defTabSz="914400" rtl="0" eaLnBrk="1" latinLnBrk="0" hangingPunct="1">
-              <a:lnSpc>
-                <a:spcPct val="90000"/>
-              </a:lnSpc>
-              <a:spcBef>
-                <a:spcPts val="500"/>
-              </a:spcBef>
-              <a:buFont typeface="Amazon Ember" panose="020B0603020204020204" pitchFamily="34" charset="0"/>
-              <a:buChar char="•"/>
-              <a:defRPr sz="1800" kern="1200">
-                <a:solidFill>
-                  <a:schemeClr val="tx1"/>
-                </a:solidFill>
-                <a:latin typeface="+mn-lt"/>
-                <a:ea typeface="+mn-ea"/>
-                <a:cs typeface="+mn-cs"/>
-              </a:defRPr>
-            </a:lvl8pPr>
-            <a:lvl9pPr marL="3886200" indent="-228600" algn="l" defTabSz="914400" rtl="0" eaLnBrk="1" latinLnBrk="0" hangingPunct="1">
-              <a:lnSpc>
-                <a:spcPct val="90000"/>
-              </a:lnSpc>
-              <a:spcBef>
-                <a:spcPts val="500"/>
-              </a:spcBef>
-              <a:buFont typeface="Amazon Ember" panose="020B0603020204020204" pitchFamily="34" charset="0"/>
-              <a:buChar char="•"/>
-              <a:defRPr sz="1800" kern="1200">
-                <a:solidFill>
-                  <a:schemeClr val="tx1"/>
-                </a:solidFill>
-                <a:latin typeface="+mn-lt"/>
-                <a:ea typeface="+mn-ea"/>
-                <a:cs typeface="+mn-cs"/>
-              </a:defRPr>
-            </a:lvl9pPr>
-          </a:lstStyle>
-          <a:p>
-            <a:pPr marL="0" indent="0" algn="ctr">
-              <a:lnSpc>
-                <a:spcPct val="100000"/>
-              </a:lnSpc>
-              <a:spcAft>
-                <a:spcPts val="600"/>
-              </a:spcAft>
-              <a:buNone/>
-            </a:pPr>
-            <a:r>
-              <a:rPr lang="en-US" sz="2000" i="1" dirty="0">
-                <a:solidFill>
-                  <a:schemeClr val="bg2">
-                    <a:lumMod val="40000"/>
-                    <a:lumOff val="60000"/>
-                  </a:schemeClr>
-                </a:solidFill>
-                <a:effectLst>
-                  <a:glow>
-                    <a:schemeClr val="bg1"/>
-                  </a:glow>
-                </a:effectLst>
-              </a:rPr>
-              <a:t>bind</a:t>
-            </a:r>
-          </a:p>
-        </p:txBody>
-      </p:sp>
-      <p:sp>
-        <p:nvSpPr>
-          <p:cNvPr id="83" name="Content Placeholder 2">
-            <a:extLst>
-              <a:ext uri="{FF2B5EF4-FFF2-40B4-BE49-F238E27FC236}">
-                <a16:creationId xmlns:a16="http://schemas.microsoft.com/office/drawing/2014/main" id="{36330913-77E6-EA65-06DE-7E832DFCAE6D}"/>
-              </a:ext>
-            </a:extLst>
-          </p:cNvPr>
-          <p:cNvSpPr txBox="1">
-            <a:spLocks/>
-          </p:cNvSpPr>
-          <p:nvPr/>
-        </p:nvSpPr>
-        <p:spPr>
-          <a:xfrm>
-            <a:off x="6996437" y="1531591"/>
-            <a:ext cx="1208355" cy="400110"/>
-          </a:xfrm>
-          <a:prstGeom prst="rect">
-            <a:avLst/>
-          </a:prstGeom>
-        </p:spPr>
-        <p:txBody>
-          <a:bodyPr wrap="square">
-            <a:spAutoFit/>
-          </a:bodyPr>
-          <a:lstStyle>
-            <a:defPPr>
-              <a:defRPr lang="en-US"/>
-            </a:defPPr>
-            <a:lvl1pPr indent="0" algn="ctr">
-              <a:lnSpc>
-                <a:spcPct val="100000"/>
-              </a:lnSpc>
-              <a:spcBef>
-                <a:spcPts val="0"/>
-              </a:spcBef>
-              <a:spcAft>
-                <a:spcPts val="600"/>
-              </a:spcAft>
-              <a:buSzPct val="90000"/>
-              <a:buFont typeface="Amazon Ember" panose="020B0603020204020204" pitchFamily="34" charset="0"/>
-              <a:buNone/>
-              <a:defRPr sz="2400" i="1">
-                <a:effectLst>
-                  <a:glow>
-                    <a:schemeClr val="bg1"/>
-                  </a:glow>
-                </a:effectLst>
-              </a:defRPr>
-            </a:lvl1pPr>
-            <a:lvl2pPr indent="-228600">
-              <a:lnSpc>
-                <a:spcPct val="90000"/>
-              </a:lnSpc>
-              <a:spcBef>
-                <a:spcPts val="0"/>
-              </a:spcBef>
-              <a:spcAft>
-                <a:spcPts val="1200"/>
-              </a:spcAft>
-              <a:buSzPct val="90000"/>
-              <a:buFont typeface="Wingdings" panose="05000000000000000000" pitchFamily="2" charset="2"/>
-              <a:buChar char="§"/>
-              <a:defRPr sz="2400"/>
-            </a:lvl2pPr>
-            <a:lvl3pPr marL="685800" indent="-228600">
-              <a:lnSpc>
-                <a:spcPct val="90000"/>
-              </a:lnSpc>
-              <a:spcBef>
-                <a:spcPts val="0"/>
-              </a:spcBef>
-              <a:spcAft>
-                <a:spcPts val="1200"/>
-              </a:spcAft>
-              <a:buSzPct val="90000"/>
-              <a:buFont typeface="Amazon Ember" panose="020B0603020204020204" pitchFamily="34" charset="0"/>
-              <a:buChar char="–"/>
-              <a:defRPr sz="2000"/>
-            </a:lvl3pPr>
-            <a:lvl4pPr marL="914400" indent="-228600">
-              <a:lnSpc>
-                <a:spcPct val="90000"/>
-              </a:lnSpc>
-              <a:spcBef>
-                <a:spcPts val="0"/>
-              </a:spcBef>
-              <a:spcAft>
-                <a:spcPts val="1200"/>
-              </a:spcAft>
-              <a:buFont typeface="Amazon Ember" panose="020B0603020204020204" pitchFamily="34" charset="0"/>
-              <a:buChar char="•"/>
-            </a:lvl4pPr>
-            <a:lvl5pPr marL="1143000" indent="-228600">
-              <a:lnSpc>
-                <a:spcPct val="90000"/>
-              </a:lnSpc>
-              <a:spcBef>
-                <a:spcPts val="0"/>
-              </a:spcBef>
-              <a:spcAft>
-                <a:spcPts val="1200"/>
-              </a:spcAft>
-              <a:buFont typeface="Amazon Ember" panose="020B0603020204020204" pitchFamily="34" charset="0"/>
-              <a:buChar char="•"/>
-            </a:lvl5pPr>
-            <a:lvl6pPr marL="2514600" indent="-228600">
-              <a:lnSpc>
-                <a:spcPct val="90000"/>
-              </a:lnSpc>
-              <a:spcBef>
-                <a:spcPts val="500"/>
-              </a:spcBef>
-              <a:buFont typeface="Amazon Ember" panose="020B0603020204020204" pitchFamily="34" charset="0"/>
-              <a:buChar char="•"/>
-            </a:lvl6pPr>
-            <a:lvl7pPr marL="2971800" indent="-228600">
-              <a:lnSpc>
-                <a:spcPct val="90000"/>
-              </a:lnSpc>
-              <a:spcBef>
-                <a:spcPts val="500"/>
-              </a:spcBef>
-              <a:buFont typeface="Amazon Ember" panose="020B0603020204020204" pitchFamily="34" charset="0"/>
-              <a:buChar char="•"/>
-            </a:lvl7pPr>
-            <a:lvl8pPr marL="3429000" indent="-228600">
-              <a:lnSpc>
-                <a:spcPct val="90000"/>
-              </a:lnSpc>
-              <a:spcBef>
-                <a:spcPts val="500"/>
-              </a:spcBef>
-              <a:buFont typeface="Amazon Ember" panose="020B0603020204020204" pitchFamily="34" charset="0"/>
-              <a:buChar char="•"/>
-            </a:lvl8pPr>
-            <a:lvl9pPr marL="3886200" indent="-228600">
-              <a:lnSpc>
-                <a:spcPct val="90000"/>
-              </a:lnSpc>
-              <a:spcBef>
-                <a:spcPts val="500"/>
-              </a:spcBef>
-              <a:buFont typeface="Amazon Ember" panose="020B0603020204020204" pitchFamily="34" charset="0"/>
-              <a:buChar char="•"/>
-            </a:lvl9pPr>
-          </a:lstStyle>
-          <a:p>
-            <a:r>
-              <a:rPr lang="en-US" sz="2000" dirty="0">
-                <a:solidFill>
-                  <a:schemeClr val="bg2">
-                    <a:lumMod val="40000"/>
-                    <a:lumOff val="60000"/>
-                  </a:schemeClr>
-                </a:solidFill>
-              </a:rPr>
-              <a:t>{tokens}</a:t>
-            </a:r>
-          </a:p>
-        </p:txBody>
-      </p:sp>
-      <p:cxnSp>
-        <p:nvCxnSpPr>
-          <p:cNvPr id="93" name="Straight Arrow Connector 12">
-            <a:extLst>
-              <a:ext uri="{FF2B5EF4-FFF2-40B4-BE49-F238E27FC236}">
-                <a16:creationId xmlns:a16="http://schemas.microsoft.com/office/drawing/2014/main" id="{4DB4E198-E3F1-998F-4D58-CE2E61EEA215}"/>
-              </a:ext>
-            </a:extLst>
-          </p:cNvPr>
-          <p:cNvCxnSpPr>
-            <a:cxnSpLocks/>
-            <a:stCxn id="22" idx="3"/>
-          </p:cNvCxnSpPr>
-          <p:nvPr/>
-        </p:nvCxnSpPr>
-        <p:spPr>
-          <a:xfrm flipV="1">
-            <a:off x="8299099" y="1337296"/>
-            <a:ext cx="271726" cy="2499144"/>
-          </a:xfrm>
-          <a:prstGeom prst="bentConnector2">
-            <a:avLst/>
-          </a:prstGeom>
-          <a:ln w="19050" cap="rnd">
-            <a:solidFill>
-              <a:schemeClr val="tx1">
-                <a:lumMod val="75000"/>
-              </a:schemeClr>
-            </a:solidFill>
-            <a:round/>
-            <a:tailEnd type="triangle" w="lg" len="lg"/>
-          </a:ln>
-        </p:spPr>
-        <p:style>
-          <a:lnRef idx="1">
-            <a:schemeClr val="accent1"/>
-          </a:lnRef>
-          <a:fillRef idx="0">
-            <a:schemeClr val="accent1"/>
-          </a:fillRef>
-          <a:effectRef idx="0">
-            <a:schemeClr val="accent1"/>
-          </a:effectRef>
-          <a:fontRef idx="minor">
-            <a:schemeClr val="tx1"/>
-          </a:fontRef>
-        </p:style>
-      </p:cxnSp>
-      <p:sp>
-        <p:nvSpPr>
-          <p:cNvPr id="96" name="Rounded Rectangle 95">
-            <a:extLst>
-              <a:ext uri="{FF2B5EF4-FFF2-40B4-BE49-F238E27FC236}">
-                <a16:creationId xmlns:a16="http://schemas.microsoft.com/office/drawing/2014/main" id="{5A09E354-3A1F-7FC6-0AE6-2AD365DB2434}"/>
-              </a:ext>
-            </a:extLst>
-          </p:cNvPr>
-          <p:cNvSpPr/>
-          <p:nvPr/>
-        </p:nvSpPr>
-        <p:spPr>
-          <a:xfrm>
-            <a:off x="5300972" y="1560992"/>
-            <a:ext cx="360000" cy="360000"/>
-          </a:xfrm>
-          <a:prstGeom prst="roundRect">
-            <a:avLst/>
-          </a:prstGeom>
-          <a:solidFill>
-            <a:schemeClr val="accent5"/>
-          </a:solidFill>
-          <a:ln>
-            <a:noFill/>
-          </a:ln>
-        </p:spPr>
-        <p:style>
-          <a:lnRef idx="0">
-            <a:scrgbClr r="0" g="0" b="0"/>
-          </a:lnRef>
-          <a:fillRef idx="0">
-            <a:scrgbClr r="0" g="0" b="0"/>
-          </a:fillRef>
-          <a:effectRef idx="0">
-            <a:scrgbClr r="0" g="0" b="0"/>
-          </a:effectRef>
-          <a:fontRef idx="minor">
-            <a:schemeClr val="lt1"/>
-          </a:fontRef>
-        </p:style>
-        <p:txBody>
-          <a:bodyPr lIns="45720" tIns="45720" rIns="45720" rtlCol="0" anchor="ctr"/>
-          <a:lstStyle/>
-          <a:p>
-            <a:pPr algn="ctr"/>
-            <a:r>
-              <a:rPr lang="en-GB" b="1" dirty="0">
-                <a:solidFill>
-                  <a:schemeClr val="tx1"/>
-                </a:solidFill>
-              </a:rPr>
-              <a:t>1</a:t>
-            </a:r>
-          </a:p>
-        </p:txBody>
-      </p:sp>
-      <p:sp>
-        <p:nvSpPr>
-          <p:cNvPr id="99" name="Content Placeholder 2">
-            <a:extLst>
-              <a:ext uri="{FF2B5EF4-FFF2-40B4-BE49-F238E27FC236}">
-                <a16:creationId xmlns:a16="http://schemas.microsoft.com/office/drawing/2014/main" id="{C0E8101E-1530-E388-0931-DD2F2919AD48}"/>
-              </a:ext>
-            </a:extLst>
-          </p:cNvPr>
-          <p:cNvSpPr txBox="1">
-            <a:spLocks/>
-          </p:cNvSpPr>
-          <p:nvPr/>
-        </p:nvSpPr>
-        <p:spPr>
-          <a:xfrm>
-            <a:off x="5759250" y="4508539"/>
-            <a:ext cx="1170002" cy="400110"/>
-          </a:xfrm>
-          <a:prstGeom prst="rect">
-            <a:avLst/>
-          </a:prstGeom>
-        </p:spPr>
-        <p:txBody>
-          <a:bodyPr wrap="square">
-            <a:spAutoFit/>
-          </a:bodyPr>
-          <a:lstStyle>
-            <a:lvl1pPr marL="228600" indent="-228600" algn="l" defTabSz="914400" rtl="0" eaLnBrk="1" latinLnBrk="0" hangingPunct="1">
-              <a:lnSpc>
-                <a:spcPct val="90000"/>
-              </a:lnSpc>
-              <a:spcBef>
-                <a:spcPts val="0"/>
-              </a:spcBef>
-              <a:spcAft>
-                <a:spcPts val="1200"/>
-              </a:spcAft>
-              <a:buSzPct val="90000"/>
-              <a:buFont typeface="Amazon Ember" panose="020B0603020204020204" pitchFamily="34" charset="0"/>
-              <a:buChar char="•"/>
-              <a:defRPr sz="2800" kern="1200">
-                <a:solidFill>
-                  <a:schemeClr val="tx1"/>
-                </a:solidFill>
-                <a:latin typeface="+mn-lt"/>
-                <a:ea typeface="+mn-ea"/>
-                <a:cs typeface="+mn-cs"/>
-              </a:defRPr>
-            </a:lvl1pPr>
-            <a:lvl2pPr marL="457200" indent="-228600" algn="l" defTabSz="914400" rtl="0" eaLnBrk="1" latinLnBrk="0" hangingPunct="1">
-              <a:lnSpc>
-                <a:spcPct val="90000"/>
-              </a:lnSpc>
-              <a:spcBef>
-                <a:spcPts val="0"/>
-              </a:spcBef>
-              <a:spcAft>
-                <a:spcPts val="1200"/>
-              </a:spcAft>
-              <a:buSzPct val="90000"/>
-              <a:buFont typeface="Wingdings" panose="05000000000000000000" pitchFamily="2" charset="2"/>
-              <a:buChar char="§"/>
-              <a:defRPr sz="2400" kern="1200">
-                <a:solidFill>
-                  <a:schemeClr val="tx1"/>
-                </a:solidFill>
-                <a:latin typeface="+mn-lt"/>
-                <a:ea typeface="+mn-ea"/>
-                <a:cs typeface="+mn-cs"/>
-              </a:defRPr>
-            </a:lvl2pPr>
-            <a:lvl3pPr marL="685800" indent="-228600" algn="l" defTabSz="914400" rtl="0" eaLnBrk="1" latinLnBrk="0" hangingPunct="1">
-              <a:lnSpc>
-                <a:spcPct val="90000"/>
-              </a:lnSpc>
-              <a:spcBef>
-                <a:spcPts val="0"/>
-              </a:spcBef>
-              <a:spcAft>
-                <a:spcPts val="1200"/>
-              </a:spcAft>
-              <a:buSzPct val="90000"/>
-              <a:buFont typeface="Amazon Ember" panose="020B0603020204020204" pitchFamily="34" charset="0"/>
-              <a:buChar char="–"/>
-              <a:defRPr sz="2000" kern="1200">
-                <a:solidFill>
-                  <a:schemeClr val="tx1"/>
-                </a:solidFill>
-                <a:latin typeface="+mn-lt"/>
-                <a:ea typeface="+mn-ea"/>
-                <a:cs typeface="+mn-cs"/>
-              </a:defRPr>
-            </a:lvl3pPr>
-            <a:lvl4pPr marL="914400" indent="-228600" algn="l" defTabSz="914400" rtl="0" eaLnBrk="1" latinLnBrk="0" hangingPunct="1">
-              <a:lnSpc>
-                <a:spcPct val="90000"/>
-              </a:lnSpc>
-              <a:spcBef>
-                <a:spcPts val="0"/>
-              </a:spcBef>
-              <a:spcAft>
-                <a:spcPts val="1200"/>
-              </a:spcAft>
-              <a:buFont typeface="Amazon Ember" panose="020B0603020204020204" pitchFamily="34" charset="0"/>
-              <a:buChar char="•"/>
-              <a:defRPr sz="1800" kern="1200">
-                <a:solidFill>
-                  <a:schemeClr val="tx1"/>
-                </a:solidFill>
-                <a:latin typeface="+mn-lt"/>
-                <a:ea typeface="+mn-ea"/>
-                <a:cs typeface="+mn-cs"/>
-              </a:defRPr>
-            </a:lvl4pPr>
-            <a:lvl5pPr marL="1143000" indent="-228600" algn="l" defTabSz="914400" rtl="0" eaLnBrk="1" latinLnBrk="0" hangingPunct="1">
-              <a:lnSpc>
-                <a:spcPct val="90000"/>
-              </a:lnSpc>
-              <a:spcBef>
-                <a:spcPts val="0"/>
-              </a:spcBef>
-              <a:spcAft>
-                <a:spcPts val="1200"/>
-              </a:spcAft>
-              <a:buFont typeface="Amazon Ember" panose="020B0603020204020204" pitchFamily="34" charset="0"/>
-              <a:buChar char="•"/>
-              <a:defRPr sz="1800" kern="1200">
-                <a:solidFill>
-                  <a:schemeClr val="tx1"/>
-                </a:solidFill>
-                <a:latin typeface="+mn-lt"/>
-                <a:ea typeface="+mn-ea"/>
-                <a:cs typeface="+mn-cs"/>
-              </a:defRPr>
-            </a:lvl5pPr>
-            <a:lvl6pPr marL="2514600" indent="-228600" algn="l" defTabSz="914400" rtl="0" eaLnBrk="1" latinLnBrk="0" hangingPunct="1">
-              <a:lnSpc>
-                <a:spcPct val="90000"/>
-              </a:lnSpc>
-              <a:spcBef>
-                <a:spcPts val="500"/>
-              </a:spcBef>
-              <a:buFont typeface="Amazon Ember" panose="020B0603020204020204" pitchFamily="34" charset="0"/>
-              <a:buChar char="•"/>
-              <a:defRPr sz="1800" kern="1200">
-                <a:solidFill>
-                  <a:schemeClr val="tx1"/>
-                </a:solidFill>
-                <a:latin typeface="+mn-lt"/>
-                <a:ea typeface="+mn-ea"/>
-                <a:cs typeface="+mn-cs"/>
-              </a:defRPr>
-            </a:lvl6pPr>
-            <a:lvl7pPr marL="2971800" indent="-228600" algn="l" defTabSz="914400" rtl="0" eaLnBrk="1" latinLnBrk="0" hangingPunct="1">
-              <a:lnSpc>
-                <a:spcPct val="90000"/>
-              </a:lnSpc>
-              <a:spcBef>
-                <a:spcPts val="500"/>
-              </a:spcBef>
-              <a:buFont typeface="Amazon Ember" panose="020B0603020204020204" pitchFamily="34" charset="0"/>
-              <a:buChar char="•"/>
-              <a:defRPr sz="1800" kern="1200">
-                <a:solidFill>
-                  <a:schemeClr val="tx1"/>
-                </a:solidFill>
-                <a:latin typeface="+mn-lt"/>
-                <a:ea typeface="+mn-ea"/>
-                <a:cs typeface="+mn-cs"/>
-              </a:defRPr>
-            </a:lvl7pPr>
-            <a:lvl8pPr marL="3429000" indent="-228600" algn="l" defTabSz="914400" rtl="0" eaLnBrk="1" latinLnBrk="0" hangingPunct="1">
-              <a:lnSpc>
-                <a:spcPct val="90000"/>
-              </a:lnSpc>
-              <a:spcBef>
-                <a:spcPts val="500"/>
-              </a:spcBef>
-              <a:buFont typeface="Amazon Ember" panose="020B0603020204020204" pitchFamily="34" charset="0"/>
-              <a:buChar char="•"/>
-              <a:defRPr sz="1800" kern="1200">
-                <a:solidFill>
-                  <a:schemeClr val="tx1"/>
-                </a:solidFill>
-                <a:latin typeface="+mn-lt"/>
-                <a:ea typeface="+mn-ea"/>
-                <a:cs typeface="+mn-cs"/>
-              </a:defRPr>
-            </a:lvl8pPr>
-            <a:lvl9pPr marL="3886200" indent="-228600" algn="l" defTabSz="914400" rtl="0" eaLnBrk="1" latinLnBrk="0" hangingPunct="1">
-              <a:lnSpc>
-                <a:spcPct val="90000"/>
-              </a:lnSpc>
-              <a:spcBef>
-                <a:spcPts val="500"/>
-              </a:spcBef>
-              <a:buFont typeface="Amazon Ember" panose="020B0603020204020204" pitchFamily="34" charset="0"/>
-              <a:buChar char="•"/>
-              <a:defRPr sz="1800" kern="1200">
-                <a:solidFill>
-                  <a:schemeClr val="tx1"/>
-                </a:solidFill>
-                <a:latin typeface="+mn-lt"/>
-                <a:ea typeface="+mn-ea"/>
-                <a:cs typeface="+mn-cs"/>
-              </a:defRPr>
-            </a:lvl9pPr>
-          </a:lstStyle>
-          <a:p>
-            <a:pPr marL="0" indent="0">
-              <a:lnSpc>
-                <a:spcPct val="100000"/>
-              </a:lnSpc>
-              <a:spcAft>
-                <a:spcPts val="600"/>
-              </a:spcAft>
-              <a:buNone/>
-            </a:pPr>
-            <a:r>
-              <a:rPr lang="en-US" sz="2000" i="1" dirty="0">
-                <a:solidFill>
-                  <a:schemeClr val="bg2">
-                    <a:lumMod val="40000"/>
-                    <a:lumOff val="60000"/>
-                  </a:schemeClr>
-                </a:solidFill>
-                <a:effectLst>
-                  <a:glow>
-                    <a:schemeClr val="bg1"/>
-                  </a:glow>
-                </a:effectLst>
-              </a:rPr>
-              <a:t>share?</a:t>
-            </a:r>
-          </a:p>
-        </p:txBody>
-      </p:sp>
-      <p:sp>
-        <p:nvSpPr>
-          <p:cNvPr id="100" name="Rounded Rectangle 99">
-            <a:extLst>
-              <a:ext uri="{FF2B5EF4-FFF2-40B4-BE49-F238E27FC236}">
-                <a16:creationId xmlns:a16="http://schemas.microsoft.com/office/drawing/2014/main" id="{39D2AE9E-9C78-3D7E-3EA4-43EEA734426B}"/>
-              </a:ext>
-            </a:extLst>
-          </p:cNvPr>
-          <p:cNvSpPr/>
-          <p:nvPr/>
-        </p:nvSpPr>
-        <p:spPr>
-          <a:xfrm>
-            <a:off x="8375190" y="2104588"/>
-            <a:ext cx="360000" cy="360000"/>
-          </a:xfrm>
-          <a:prstGeom prst="roundRect">
-            <a:avLst/>
-          </a:prstGeom>
-          <a:solidFill>
-            <a:schemeClr val="accent1"/>
-          </a:solidFill>
-          <a:ln>
-            <a:noFill/>
-          </a:ln>
-        </p:spPr>
-        <p:style>
-          <a:lnRef idx="0">
-            <a:scrgbClr r="0" g="0" b="0"/>
-          </a:lnRef>
-          <a:fillRef idx="0">
-            <a:scrgbClr r="0" g="0" b="0"/>
-          </a:fillRef>
-          <a:effectRef idx="0">
-            <a:scrgbClr r="0" g="0" b="0"/>
-          </a:effectRef>
-          <a:fontRef idx="minor">
-            <a:schemeClr val="lt1"/>
-          </a:fontRef>
-        </p:style>
-        <p:txBody>
-          <a:bodyPr lIns="45720" tIns="45720" rIns="45720" rtlCol="0" anchor="ctr"/>
-          <a:lstStyle/>
-          <a:p>
-            <a:pPr algn="ctr"/>
-            <a:r>
-              <a:rPr lang="en-GB" b="1" dirty="0">
-                <a:solidFill>
-                  <a:schemeClr val="tx1"/>
-                </a:solidFill>
-              </a:rPr>
-              <a:t>D</a:t>
-            </a:r>
-          </a:p>
-        </p:txBody>
-      </p:sp>
-      <p:sp>
-        <p:nvSpPr>
-          <p:cNvPr id="101" name="Content Placeholder 2">
-            <a:extLst>
-              <a:ext uri="{FF2B5EF4-FFF2-40B4-BE49-F238E27FC236}">
-                <a16:creationId xmlns:a16="http://schemas.microsoft.com/office/drawing/2014/main" id="{EDCCF715-6395-5E11-063B-617FC1BC2798}"/>
-              </a:ext>
-            </a:extLst>
-          </p:cNvPr>
-          <p:cNvSpPr txBox="1">
-            <a:spLocks/>
-          </p:cNvSpPr>
-          <p:nvPr/>
-        </p:nvSpPr>
-        <p:spPr>
-          <a:xfrm>
-            <a:off x="8616279" y="2084533"/>
-            <a:ext cx="1358068" cy="400110"/>
-          </a:xfrm>
-          <a:prstGeom prst="rect">
-            <a:avLst/>
-          </a:prstGeom>
-        </p:spPr>
-        <p:txBody>
-          <a:bodyPr wrap="square">
-            <a:spAutoFit/>
-          </a:bodyPr>
-          <a:lstStyle>
-            <a:lvl1pPr marL="228600" indent="-228600" algn="l" defTabSz="914400" rtl="0" eaLnBrk="1" latinLnBrk="0" hangingPunct="1">
-              <a:lnSpc>
-                <a:spcPct val="90000"/>
-              </a:lnSpc>
-              <a:spcBef>
-                <a:spcPts val="0"/>
-              </a:spcBef>
-              <a:spcAft>
-                <a:spcPts val="1200"/>
-              </a:spcAft>
-              <a:buSzPct val="90000"/>
-              <a:buFont typeface="Amazon Ember" panose="020B0603020204020204" pitchFamily="34" charset="0"/>
-              <a:buChar char="•"/>
-              <a:defRPr sz="2800" kern="1200">
-                <a:solidFill>
-                  <a:schemeClr val="tx1"/>
-                </a:solidFill>
-                <a:latin typeface="+mn-lt"/>
-                <a:ea typeface="+mn-ea"/>
-                <a:cs typeface="+mn-cs"/>
-              </a:defRPr>
-            </a:lvl1pPr>
-            <a:lvl2pPr marL="457200" indent="-228600" algn="l" defTabSz="914400" rtl="0" eaLnBrk="1" latinLnBrk="0" hangingPunct="1">
-              <a:lnSpc>
-                <a:spcPct val="90000"/>
-              </a:lnSpc>
-              <a:spcBef>
-                <a:spcPts val="0"/>
-              </a:spcBef>
-              <a:spcAft>
-                <a:spcPts val="1200"/>
-              </a:spcAft>
-              <a:buSzPct val="90000"/>
-              <a:buFont typeface="Wingdings" panose="05000000000000000000" pitchFamily="2" charset="2"/>
-              <a:buChar char="§"/>
-              <a:defRPr sz="2400" kern="1200">
-                <a:solidFill>
-                  <a:schemeClr val="tx1"/>
-                </a:solidFill>
-                <a:latin typeface="+mn-lt"/>
-                <a:ea typeface="+mn-ea"/>
-                <a:cs typeface="+mn-cs"/>
-              </a:defRPr>
-            </a:lvl2pPr>
-            <a:lvl3pPr marL="685800" indent="-228600" algn="l" defTabSz="914400" rtl="0" eaLnBrk="1" latinLnBrk="0" hangingPunct="1">
-              <a:lnSpc>
-                <a:spcPct val="90000"/>
-              </a:lnSpc>
-              <a:spcBef>
-                <a:spcPts val="0"/>
-              </a:spcBef>
-              <a:spcAft>
-                <a:spcPts val="1200"/>
-              </a:spcAft>
-              <a:buSzPct val="90000"/>
-              <a:buFont typeface="Amazon Ember" panose="020B0603020204020204" pitchFamily="34" charset="0"/>
-              <a:buChar char="–"/>
-              <a:defRPr sz="2000" kern="1200">
-                <a:solidFill>
-                  <a:schemeClr val="tx1"/>
-                </a:solidFill>
-                <a:latin typeface="+mn-lt"/>
-                <a:ea typeface="+mn-ea"/>
-                <a:cs typeface="+mn-cs"/>
-              </a:defRPr>
-            </a:lvl3pPr>
-            <a:lvl4pPr marL="914400" indent="-228600" algn="l" defTabSz="914400" rtl="0" eaLnBrk="1" latinLnBrk="0" hangingPunct="1">
-              <a:lnSpc>
-                <a:spcPct val="90000"/>
-              </a:lnSpc>
-              <a:spcBef>
-                <a:spcPts val="0"/>
-              </a:spcBef>
-              <a:spcAft>
-                <a:spcPts val="1200"/>
-              </a:spcAft>
-              <a:buFont typeface="Amazon Ember" panose="020B0603020204020204" pitchFamily="34" charset="0"/>
-              <a:buChar char="•"/>
-              <a:defRPr sz="1800" kern="1200">
-                <a:solidFill>
-                  <a:schemeClr val="tx1"/>
-                </a:solidFill>
-                <a:latin typeface="+mn-lt"/>
-                <a:ea typeface="+mn-ea"/>
-                <a:cs typeface="+mn-cs"/>
-              </a:defRPr>
-            </a:lvl4pPr>
-            <a:lvl5pPr marL="1143000" indent="-228600" algn="l" defTabSz="914400" rtl="0" eaLnBrk="1" latinLnBrk="0" hangingPunct="1">
-              <a:lnSpc>
-                <a:spcPct val="90000"/>
-              </a:lnSpc>
-              <a:spcBef>
-                <a:spcPts val="0"/>
-              </a:spcBef>
-              <a:spcAft>
-                <a:spcPts val="1200"/>
-              </a:spcAft>
-              <a:buFont typeface="Amazon Ember" panose="020B0603020204020204" pitchFamily="34" charset="0"/>
-              <a:buChar char="•"/>
-              <a:defRPr sz="1800" kern="1200">
-                <a:solidFill>
-                  <a:schemeClr val="tx1"/>
-                </a:solidFill>
-                <a:latin typeface="+mn-lt"/>
-                <a:ea typeface="+mn-ea"/>
-                <a:cs typeface="+mn-cs"/>
-              </a:defRPr>
-            </a:lvl5pPr>
-            <a:lvl6pPr marL="2514600" indent="-228600" algn="l" defTabSz="914400" rtl="0" eaLnBrk="1" latinLnBrk="0" hangingPunct="1">
-              <a:lnSpc>
-                <a:spcPct val="90000"/>
-              </a:lnSpc>
-              <a:spcBef>
-                <a:spcPts val="500"/>
-              </a:spcBef>
-              <a:buFont typeface="Amazon Ember" panose="020B0603020204020204" pitchFamily="34" charset="0"/>
-              <a:buChar char="•"/>
-              <a:defRPr sz="1800" kern="1200">
-                <a:solidFill>
-                  <a:schemeClr val="tx1"/>
-                </a:solidFill>
-                <a:latin typeface="+mn-lt"/>
-                <a:ea typeface="+mn-ea"/>
-                <a:cs typeface="+mn-cs"/>
-              </a:defRPr>
-            </a:lvl6pPr>
-            <a:lvl7pPr marL="2971800" indent="-228600" algn="l" defTabSz="914400" rtl="0" eaLnBrk="1" latinLnBrk="0" hangingPunct="1">
-              <a:lnSpc>
-                <a:spcPct val="90000"/>
-              </a:lnSpc>
-              <a:spcBef>
-                <a:spcPts val="500"/>
-              </a:spcBef>
-              <a:buFont typeface="Amazon Ember" panose="020B0603020204020204" pitchFamily="34" charset="0"/>
-              <a:buChar char="•"/>
-              <a:defRPr sz="1800" kern="1200">
-                <a:solidFill>
-                  <a:schemeClr val="tx1"/>
-                </a:solidFill>
-                <a:latin typeface="+mn-lt"/>
-                <a:ea typeface="+mn-ea"/>
-                <a:cs typeface="+mn-cs"/>
-              </a:defRPr>
-            </a:lvl7pPr>
-            <a:lvl8pPr marL="3429000" indent="-228600" algn="l" defTabSz="914400" rtl="0" eaLnBrk="1" latinLnBrk="0" hangingPunct="1">
-              <a:lnSpc>
-                <a:spcPct val="90000"/>
-              </a:lnSpc>
-              <a:spcBef>
-                <a:spcPts val="500"/>
-              </a:spcBef>
-              <a:buFont typeface="Amazon Ember" panose="020B0603020204020204" pitchFamily="34" charset="0"/>
-              <a:buChar char="•"/>
-              <a:defRPr sz="1800" kern="1200">
-                <a:solidFill>
-                  <a:schemeClr val="tx1"/>
-                </a:solidFill>
-                <a:latin typeface="+mn-lt"/>
-                <a:ea typeface="+mn-ea"/>
-                <a:cs typeface="+mn-cs"/>
-              </a:defRPr>
-            </a:lvl8pPr>
-            <a:lvl9pPr marL="3886200" indent="-228600" algn="l" defTabSz="914400" rtl="0" eaLnBrk="1" latinLnBrk="0" hangingPunct="1">
-              <a:lnSpc>
-                <a:spcPct val="90000"/>
-              </a:lnSpc>
-              <a:spcBef>
-                <a:spcPts val="500"/>
-              </a:spcBef>
-              <a:buFont typeface="Amazon Ember" panose="020B0603020204020204" pitchFamily="34" charset="0"/>
-              <a:buChar char="•"/>
-              <a:defRPr sz="1800" kern="1200">
-                <a:solidFill>
-                  <a:schemeClr val="tx1"/>
-                </a:solidFill>
-                <a:latin typeface="+mn-lt"/>
-                <a:ea typeface="+mn-ea"/>
-                <a:cs typeface="+mn-cs"/>
-              </a:defRPr>
-            </a:lvl9pPr>
-          </a:lstStyle>
-          <a:p>
-            <a:pPr marL="0" indent="0" algn="ctr">
-              <a:lnSpc>
-                <a:spcPct val="100000"/>
-              </a:lnSpc>
-              <a:spcAft>
-                <a:spcPts val="600"/>
-              </a:spcAft>
-              <a:buNone/>
-            </a:pPr>
-            <a:r>
-              <a:rPr lang="en-US" sz="2000" i="1" dirty="0">
-                <a:solidFill>
-                  <a:schemeClr val="bg2">
-                    <a:lumMod val="40000"/>
-                    <a:lumOff val="60000"/>
-                  </a:schemeClr>
-                </a:solidFill>
-                <a:effectLst>
-                  <a:glow>
-                    <a:schemeClr val="bg1"/>
-                  </a:glow>
-                </a:effectLst>
-              </a:rPr>
-              <a:t>disclose</a:t>
-            </a:r>
-          </a:p>
-        </p:txBody>
-      </p:sp>
-      <p:sp>
-        <p:nvSpPr>
-          <p:cNvPr id="106" name="Content Placeholder 2">
-            <a:extLst>
-              <a:ext uri="{FF2B5EF4-FFF2-40B4-BE49-F238E27FC236}">
-                <a16:creationId xmlns:a16="http://schemas.microsoft.com/office/drawing/2014/main" id="{71F95C8E-B2BE-3F8D-5576-230477AB5FC7}"/>
-              </a:ext>
-            </a:extLst>
-          </p:cNvPr>
-          <p:cNvSpPr txBox="1">
-            <a:spLocks/>
-          </p:cNvSpPr>
-          <p:nvPr/>
-        </p:nvSpPr>
-        <p:spPr>
-          <a:xfrm>
-            <a:off x="7766085" y="4697871"/>
-            <a:ext cx="1492747" cy="400110"/>
-          </a:xfrm>
-          <a:prstGeom prst="rect">
-            <a:avLst/>
-          </a:prstGeom>
-        </p:spPr>
-        <p:txBody>
-          <a:bodyPr wrap="square">
-            <a:spAutoFit/>
-          </a:bodyPr>
-          <a:lstStyle>
-            <a:lvl1pPr marL="228600" indent="-228600" algn="l" defTabSz="914400" rtl="0" eaLnBrk="1" latinLnBrk="0" hangingPunct="1">
-              <a:lnSpc>
-                <a:spcPct val="90000"/>
-              </a:lnSpc>
-              <a:spcBef>
-                <a:spcPts val="0"/>
-              </a:spcBef>
-              <a:spcAft>
-                <a:spcPts val="1200"/>
-              </a:spcAft>
-              <a:buSzPct val="90000"/>
-              <a:buFont typeface="Amazon Ember" panose="020B0603020204020204" pitchFamily="34" charset="0"/>
-              <a:buChar char="•"/>
-              <a:defRPr sz="2800" kern="1200">
-                <a:solidFill>
-                  <a:schemeClr val="tx1"/>
-                </a:solidFill>
-                <a:latin typeface="+mn-lt"/>
-                <a:ea typeface="+mn-ea"/>
-                <a:cs typeface="+mn-cs"/>
-              </a:defRPr>
-            </a:lvl1pPr>
-            <a:lvl2pPr marL="457200" indent="-228600" algn="l" defTabSz="914400" rtl="0" eaLnBrk="1" latinLnBrk="0" hangingPunct="1">
-              <a:lnSpc>
-                <a:spcPct val="90000"/>
-              </a:lnSpc>
-              <a:spcBef>
-                <a:spcPts val="0"/>
-              </a:spcBef>
-              <a:spcAft>
-                <a:spcPts val="1200"/>
-              </a:spcAft>
-              <a:buSzPct val="90000"/>
-              <a:buFont typeface="Wingdings" panose="05000000000000000000" pitchFamily="2" charset="2"/>
-              <a:buChar char="§"/>
-              <a:defRPr sz="2400" kern="1200">
-                <a:solidFill>
-                  <a:schemeClr val="tx1"/>
-                </a:solidFill>
-                <a:latin typeface="+mn-lt"/>
-                <a:ea typeface="+mn-ea"/>
-                <a:cs typeface="+mn-cs"/>
-              </a:defRPr>
-            </a:lvl2pPr>
-            <a:lvl3pPr marL="685800" indent="-228600" algn="l" defTabSz="914400" rtl="0" eaLnBrk="1" latinLnBrk="0" hangingPunct="1">
-              <a:lnSpc>
-                <a:spcPct val="90000"/>
-              </a:lnSpc>
-              <a:spcBef>
-                <a:spcPts val="0"/>
-              </a:spcBef>
-              <a:spcAft>
-                <a:spcPts val="1200"/>
-              </a:spcAft>
-              <a:buSzPct val="90000"/>
-              <a:buFont typeface="Amazon Ember" panose="020B0603020204020204" pitchFamily="34" charset="0"/>
-              <a:buChar char="–"/>
-              <a:defRPr sz="2000" kern="1200">
-                <a:solidFill>
-                  <a:schemeClr val="tx1"/>
-                </a:solidFill>
-                <a:latin typeface="+mn-lt"/>
-                <a:ea typeface="+mn-ea"/>
-                <a:cs typeface="+mn-cs"/>
-              </a:defRPr>
-            </a:lvl3pPr>
-            <a:lvl4pPr marL="914400" indent="-228600" algn="l" defTabSz="914400" rtl="0" eaLnBrk="1" latinLnBrk="0" hangingPunct="1">
-              <a:lnSpc>
-                <a:spcPct val="90000"/>
-              </a:lnSpc>
-              <a:spcBef>
-                <a:spcPts val="0"/>
-              </a:spcBef>
-              <a:spcAft>
-                <a:spcPts val="1200"/>
-              </a:spcAft>
-              <a:buFont typeface="Amazon Ember" panose="020B0603020204020204" pitchFamily="34" charset="0"/>
-              <a:buChar char="•"/>
-              <a:defRPr sz="1800" kern="1200">
-                <a:solidFill>
-                  <a:schemeClr val="tx1"/>
-                </a:solidFill>
-                <a:latin typeface="+mn-lt"/>
-                <a:ea typeface="+mn-ea"/>
-                <a:cs typeface="+mn-cs"/>
-              </a:defRPr>
-            </a:lvl4pPr>
-            <a:lvl5pPr marL="1143000" indent="-228600" algn="l" defTabSz="914400" rtl="0" eaLnBrk="1" latinLnBrk="0" hangingPunct="1">
-              <a:lnSpc>
-                <a:spcPct val="90000"/>
-              </a:lnSpc>
-              <a:spcBef>
-                <a:spcPts val="0"/>
-              </a:spcBef>
-              <a:spcAft>
-                <a:spcPts val="1200"/>
-              </a:spcAft>
-              <a:buFont typeface="Amazon Ember" panose="020B0603020204020204" pitchFamily="34" charset="0"/>
-              <a:buChar char="•"/>
-              <a:defRPr sz="1800" kern="1200">
-                <a:solidFill>
-                  <a:schemeClr val="tx1"/>
-                </a:solidFill>
-                <a:latin typeface="+mn-lt"/>
-                <a:ea typeface="+mn-ea"/>
-                <a:cs typeface="+mn-cs"/>
-              </a:defRPr>
-            </a:lvl5pPr>
-            <a:lvl6pPr marL="2514600" indent="-228600" algn="l" defTabSz="914400" rtl="0" eaLnBrk="1" latinLnBrk="0" hangingPunct="1">
-              <a:lnSpc>
-                <a:spcPct val="90000"/>
-              </a:lnSpc>
-              <a:spcBef>
-                <a:spcPts val="500"/>
-              </a:spcBef>
-              <a:buFont typeface="Amazon Ember" panose="020B0603020204020204" pitchFamily="34" charset="0"/>
-              <a:buChar char="•"/>
-              <a:defRPr sz="1800" kern="1200">
-                <a:solidFill>
-                  <a:schemeClr val="tx1"/>
-                </a:solidFill>
-                <a:latin typeface="+mn-lt"/>
-                <a:ea typeface="+mn-ea"/>
-                <a:cs typeface="+mn-cs"/>
-              </a:defRPr>
-            </a:lvl6pPr>
-            <a:lvl7pPr marL="2971800" indent="-228600" algn="l" defTabSz="914400" rtl="0" eaLnBrk="1" latinLnBrk="0" hangingPunct="1">
-              <a:lnSpc>
-                <a:spcPct val="90000"/>
-              </a:lnSpc>
-              <a:spcBef>
-                <a:spcPts val="500"/>
-              </a:spcBef>
-              <a:buFont typeface="Amazon Ember" panose="020B0603020204020204" pitchFamily="34" charset="0"/>
-              <a:buChar char="•"/>
-              <a:defRPr sz="1800" kern="1200">
-                <a:solidFill>
-                  <a:schemeClr val="tx1"/>
-                </a:solidFill>
-                <a:latin typeface="+mn-lt"/>
-                <a:ea typeface="+mn-ea"/>
-                <a:cs typeface="+mn-cs"/>
-              </a:defRPr>
-            </a:lvl7pPr>
-            <a:lvl8pPr marL="3429000" indent="-228600" algn="l" defTabSz="914400" rtl="0" eaLnBrk="1" latinLnBrk="0" hangingPunct="1">
-              <a:lnSpc>
-                <a:spcPct val="90000"/>
-              </a:lnSpc>
-              <a:spcBef>
-                <a:spcPts val="500"/>
-              </a:spcBef>
-              <a:buFont typeface="Amazon Ember" panose="020B0603020204020204" pitchFamily="34" charset="0"/>
-              <a:buChar char="•"/>
-              <a:defRPr sz="1800" kern="1200">
-                <a:solidFill>
-                  <a:schemeClr val="tx1"/>
-                </a:solidFill>
-                <a:latin typeface="+mn-lt"/>
-                <a:ea typeface="+mn-ea"/>
-                <a:cs typeface="+mn-cs"/>
-              </a:defRPr>
-            </a:lvl8pPr>
-            <a:lvl9pPr marL="3886200" indent="-228600" algn="l" defTabSz="914400" rtl="0" eaLnBrk="1" latinLnBrk="0" hangingPunct="1">
-              <a:lnSpc>
-                <a:spcPct val="90000"/>
-              </a:lnSpc>
-              <a:spcBef>
-                <a:spcPts val="500"/>
-              </a:spcBef>
-              <a:buFont typeface="Amazon Ember" panose="020B0603020204020204" pitchFamily="34" charset="0"/>
-              <a:buChar char="•"/>
-              <a:defRPr sz="1800" kern="1200">
-                <a:solidFill>
-                  <a:schemeClr val="tx1"/>
-                </a:solidFill>
-                <a:latin typeface="+mn-lt"/>
-                <a:ea typeface="+mn-ea"/>
-                <a:cs typeface="+mn-cs"/>
-              </a:defRPr>
-            </a:lvl9pPr>
-          </a:lstStyle>
-          <a:p>
-            <a:pPr marL="0" indent="0" algn="ctr">
-              <a:lnSpc>
-                <a:spcPct val="100000"/>
-              </a:lnSpc>
-              <a:spcAft>
-                <a:spcPts val="600"/>
-              </a:spcAft>
-              <a:buNone/>
-            </a:pPr>
-            <a:r>
-              <a:rPr lang="en-US" sz="2000" i="1" dirty="0">
-                <a:solidFill>
-                  <a:schemeClr val="bg2">
-                    <a:lumMod val="40000"/>
-                    <a:lumOff val="60000"/>
-                  </a:schemeClr>
-                </a:solidFill>
-                <a:effectLst>
-                  <a:glow>
-                    <a:schemeClr val="bg1"/>
-                  </a:glow>
-                </a:effectLst>
-              </a:rPr>
-              <a:t>{tokens}</a:t>
-            </a:r>
-          </a:p>
-        </p:txBody>
-      </p:sp>
-      <p:cxnSp>
-        <p:nvCxnSpPr>
-          <p:cNvPr id="112" name="Straight Arrow Connector 12">
-            <a:extLst>
-              <a:ext uri="{FF2B5EF4-FFF2-40B4-BE49-F238E27FC236}">
-                <a16:creationId xmlns:a16="http://schemas.microsoft.com/office/drawing/2014/main" id="{A3AAF976-BB62-F199-9CE7-3CC2E7672223}"/>
-              </a:ext>
-            </a:extLst>
-          </p:cNvPr>
-          <p:cNvCxnSpPr>
-            <a:cxnSpLocks/>
-          </p:cNvCxnSpPr>
-          <p:nvPr/>
-        </p:nvCxnSpPr>
-        <p:spPr>
-          <a:xfrm>
-            <a:off x="6846720" y="1337296"/>
-            <a:ext cx="0" cy="1412287"/>
-          </a:xfrm>
-          <a:prstGeom prst="straightConnector1">
-            <a:avLst/>
-          </a:prstGeom>
-          <a:ln w="19050" cap="rnd">
-            <a:solidFill>
-              <a:schemeClr val="tx1">
-                <a:lumMod val="75000"/>
-              </a:schemeClr>
-            </a:solidFill>
-            <a:round/>
-            <a:tailEnd type="triangle" w="lg" len="lg"/>
-          </a:ln>
-        </p:spPr>
-        <p:style>
-          <a:lnRef idx="1">
-            <a:schemeClr val="accent1"/>
-          </a:lnRef>
-          <a:fillRef idx="0">
-            <a:schemeClr val="accent1"/>
-          </a:fillRef>
-          <a:effectRef idx="0">
-            <a:schemeClr val="accent1"/>
-          </a:effectRef>
-          <a:fontRef idx="minor">
-            <a:schemeClr val="tx1"/>
-          </a:fontRef>
-        </p:style>
-      </p:cxnSp>
-      <p:sp>
-        <p:nvSpPr>
-          <p:cNvPr id="97" name="Rounded Rectangle 96">
-            <a:extLst>
-              <a:ext uri="{FF2B5EF4-FFF2-40B4-BE49-F238E27FC236}">
-                <a16:creationId xmlns:a16="http://schemas.microsoft.com/office/drawing/2014/main" id="{D06AF41F-B1BA-1B6C-4351-C82E40EDDE44}"/>
-              </a:ext>
-            </a:extLst>
-          </p:cNvPr>
-          <p:cNvSpPr/>
-          <p:nvPr/>
-        </p:nvSpPr>
-        <p:spPr>
-          <a:xfrm>
-            <a:off x="6665680" y="1561864"/>
-            <a:ext cx="360000" cy="360000"/>
-          </a:xfrm>
-          <a:prstGeom prst="roundRect">
-            <a:avLst/>
-          </a:prstGeom>
-          <a:solidFill>
-            <a:schemeClr val="accent5"/>
-          </a:solidFill>
-          <a:ln>
-            <a:noFill/>
-          </a:ln>
-        </p:spPr>
-        <p:style>
-          <a:lnRef idx="0">
-            <a:scrgbClr r="0" g="0" b="0"/>
-          </a:lnRef>
-          <a:fillRef idx="0">
-            <a:scrgbClr r="0" g="0" b="0"/>
-          </a:fillRef>
-          <a:effectRef idx="0">
-            <a:scrgbClr r="0" g="0" b="0"/>
-          </a:effectRef>
-          <a:fontRef idx="minor">
-            <a:schemeClr val="lt1"/>
-          </a:fontRef>
-        </p:style>
-        <p:txBody>
-          <a:bodyPr lIns="45720" tIns="45720" rIns="45720" rtlCol="0" anchor="ctr"/>
-          <a:lstStyle/>
-          <a:p>
-            <a:pPr algn="ctr"/>
-            <a:r>
-              <a:rPr lang="en-GB" b="1" dirty="0">
-                <a:solidFill>
-                  <a:schemeClr val="tx1"/>
-                </a:solidFill>
-              </a:rPr>
-              <a:t>2</a:t>
-            </a:r>
-          </a:p>
-        </p:txBody>
-      </p:sp>
-      <p:sp>
-        <p:nvSpPr>
-          <p:cNvPr id="120" name="Rounded Rectangle 119">
-            <a:extLst>
-              <a:ext uri="{FF2B5EF4-FFF2-40B4-BE49-F238E27FC236}">
-                <a16:creationId xmlns:a16="http://schemas.microsoft.com/office/drawing/2014/main" id="{0D0B31AA-F50E-883F-68A7-38FAF065E703}"/>
-              </a:ext>
-            </a:extLst>
-          </p:cNvPr>
-          <p:cNvSpPr/>
-          <p:nvPr/>
-        </p:nvSpPr>
-        <p:spPr>
-          <a:xfrm>
-            <a:off x="10299815" y="1357351"/>
-            <a:ext cx="360000" cy="360000"/>
-          </a:xfrm>
-          <a:prstGeom prst="roundRect">
-            <a:avLst/>
-          </a:prstGeom>
-          <a:solidFill>
-            <a:schemeClr val="accent1"/>
-          </a:solidFill>
-          <a:ln>
-            <a:noFill/>
-          </a:ln>
-        </p:spPr>
-        <p:style>
-          <a:lnRef idx="0">
-            <a:scrgbClr r="0" g="0" b="0"/>
-          </a:lnRef>
-          <a:fillRef idx="0">
-            <a:scrgbClr r="0" g="0" b="0"/>
-          </a:fillRef>
-          <a:effectRef idx="0">
-            <a:scrgbClr r="0" g="0" b="0"/>
-          </a:effectRef>
-          <a:fontRef idx="minor">
-            <a:schemeClr val="lt1"/>
-          </a:fontRef>
-        </p:style>
-        <p:txBody>
-          <a:bodyPr lIns="45720" tIns="45720" rIns="45720" rtlCol="0" anchor="ctr"/>
-          <a:lstStyle/>
-          <a:p>
-            <a:pPr algn="ctr"/>
-            <a:r>
-              <a:rPr lang="en-GB" b="1" dirty="0">
-                <a:solidFill>
-                  <a:schemeClr val="tx1"/>
-                </a:solidFill>
-              </a:rPr>
-              <a:t>E</a:t>
-            </a:r>
-          </a:p>
-        </p:txBody>
-      </p:sp>
-      <p:sp>
-        <p:nvSpPr>
-          <p:cNvPr id="121" name="Content Placeholder 2">
-            <a:extLst>
-              <a:ext uri="{FF2B5EF4-FFF2-40B4-BE49-F238E27FC236}">
-                <a16:creationId xmlns:a16="http://schemas.microsoft.com/office/drawing/2014/main" id="{D6AE03A0-52C9-7489-9476-8782BEDA3CCF}"/>
-              </a:ext>
-            </a:extLst>
-          </p:cNvPr>
-          <p:cNvSpPr txBox="1">
-            <a:spLocks/>
-          </p:cNvSpPr>
-          <p:nvPr/>
-        </p:nvSpPr>
-        <p:spPr>
-          <a:xfrm>
-            <a:off x="10659815" y="1337296"/>
-            <a:ext cx="928251" cy="400110"/>
-          </a:xfrm>
-          <a:prstGeom prst="rect">
-            <a:avLst/>
-          </a:prstGeom>
-        </p:spPr>
-        <p:txBody>
-          <a:bodyPr wrap="square">
-            <a:spAutoFit/>
-          </a:bodyPr>
-          <a:lstStyle>
-            <a:lvl1pPr marL="228600" indent="-228600" algn="l" defTabSz="914400" rtl="0" eaLnBrk="1" latinLnBrk="0" hangingPunct="1">
-              <a:lnSpc>
-                <a:spcPct val="90000"/>
-              </a:lnSpc>
-              <a:spcBef>
-                <a:spcPts val="0"/>
-              </a:spcBef>
-              <a:spcAft>
-                <a:spcPts val="1200"/>
-              </a:spcAft>
-              <a:buSzPct val="90000"/>
-              <a:buFont typeface="Amazon Ember" panose="020B0603020204020204" pitchFamily="34" charset="0"/>
-              <a:buChar char="•"/>
-              <a:defRPr sz="2800" kern="1200">
-                <a:solidFill>
-                  <a:schemeClr val="tx1"/>
-                </a:solidFill>
-                <a:latin typeface="+mn-lt"/>
-                <a:ea typeface="+mn-ea"/>
-                <a:cs typeface="+mn-cs"/>
-              </a:defRPr>
-            </a:lvl1pPr>
-            <a:lvl2pPr marL="457200" indent="-228600" algn="l" defTabSz="914400" rtl="0" eaLnBrk="1" latinLnBrk="0" hangingPunct="1">
-              <a:lnSpc>
-                <a:spcPct val="90000"/>
-              </a:lnSpc>
-              <a:spcBef>
-                <a:spcPts val="0"/>
-              </a:spcBef>
-              <a:spcAft>
-                <a:spcPts val="1200"/>
-              </a:spcAft>
-              <a:buSzPct val="90000"/>
-              <a:buFont typeface="Wingdings" panose="05000000000000000000" pitchFamily="2" charset="2"/>
-              <a:buChar char="§"/>
-              <a:defRPr sz="2400" kern="1200">
-                <a:solidFill>
-                  <a:schemeClr val="tx1"/>
-                </a:solidFill>
-                <a:latin typeface="+mn-lt"/>
-                <a:ea typeface="+mn-ea"/>
-                <a:cs typeface="+mn-cs"/>
-              </a:defRPr>
-            </a:lvl2pPr>
-            <a:lvl3pPr marL="685800" indent="-228600" algn="l" defTabSz="914400" rtl="0" eaLnBrk="1" latinLnBrk="0" hangingPunct="1">
-              <a:lnSpc>
-                <a:spcPct val="90000"/>
-              </a:lnSpc>
-              <a:spcBef>
-                <a:spcPts val="0"/>
-              </a:spcBef>
-              <a:spcAft>
-                <a:spcPts val="1200"/>
-              </a:spcAft>
-              <a:buSzPct val="90000"/>
-              <a:buFont typeface="Amazon Ember" panose="020B0603020204020204" pitchFamily="34" charset="0"/>
-              <a:buChar char="–"/>
-              <a:defRPr sz="2000" kern="1200">
-                <a:solidFill>
-                  <a:schemeClr val="tx1"/>
-                </a:solidFill>
-                <a:latin typeface="+mn-lt"/>
-                <a:ea typeface="+mn-ea"/>
-                <a:cs typeface="+mn-cs"/>
-              </a:defRPr>
-            </a:lvl3pPr>
-            <a:lvl4pPr marL="914400" indent="-228600" algn="l" defTabSz="914400" rtl="0" eaLnBrk="1" latinLnBrk="0" hangingPunct="1">
-              <a:lnSpc>
-                <a:spcPct val="90000"/>
-              </a:lnSpc>
-              <a:spcBef>
-                <a:spcPts val="0"/>
-              </a:spcBef>
-              <a:spcAft>
-                <a:spcPts val="1200"/>
-              </a:spcAft>
-              <a:buFont typeface="Amazon Ember" panose="020B0603020204020204" pitchFamily="34" charset="0"/>
-              <a:buChar char="•"/>
-              <a:defRPr sz="1800" kern="1200">
-                <a:solidFill>
-                  <a:schemeClr val="tx1"/>
-                </a:solidFill>
-                <a:latin typeface="+mn-lt"/>
-                <a:ea typeface="+mn-ea"/>
-                <a:cs typeface="+mn-cs"/>
-              </a:defRPr>
-            </a:lvl4pPr>
-            <a:lvl5pPr marL="1143000" indent="-228600" algn="l" defTabSz="914400" rtl="0" eaLnBrk="1" latinLnBrk="0" hangingPunct="1">
-              <a:lnSpc>
-                <a:spcPct val="90000"/>
-              </a:lnSpc>
-              <a:spcBef>
-                <a:spcPts val="0"/>
-              </a:spcBef>
-              <a:spcAft>
-                <a:spcPts val="1200"/>
-              </a:spcAft>
-              <a:buFont typeface="Amazon Ember" panose="020B0603020204020204" pitchFamily="34" charset="0"/>
-              <a:buChar char="•"/>
-              <a:defRPr sz="1800" kern="1200">
-                <a:solidFill>
-                  <a:schemeClr val="tx1"/>
-                </a:solidFill>
-                <a:latin typeface="+mn-lt"/>
-                <a:ea typeface="+mn-ea"/>
-                <a:cs typeface="+mn-cs"/>
-              </a:defRPr>
-            </a:lvl5pPr>
-            <a:lvl6pPr marL="2514600" indent="-228600" algn="l" defTabSz="914400" rtl="0" eaLnBrk="1" latinLnBrk="0" hangingPunct="1">
-              <a:lnSpc>
-                <a:spcPct val="90000"/>
-              </a:lnSpc>
-              <a:spcBef>
-                <a:spcPts val="500"/>
-              </a:spcBef>
-              <a:buFont typeface="Amazon Ember" panose="020B0603020204020204" pitchFamily="34" charset="0"/>
-              <a:buChar char="•"/>
-              <a:defRPr sz="1800" kern="1200">
-                <a:solidFill>
-                  <a:schemeClr val="tx1"/>
-                </a:solidFill>
-                <a:latin typeface="+mn-lt"/>
-                <a:ea typeface="+mn-ea"/>
-                <a:cs typeface="+mn-cs"/>
-              </a:defRPr>
-            </a:lvl6pPr>
-            <a:lvl7pPr marL="2971800" indent="-228600" algn="l" defTabSz="914400" rtl="0" eaLnBrk="1" latinLnBrk="0" hangingPunct="1">
-              <a:lnSpc>
-                <a:spcPct val="90000"/>
-              </a:lnSpc>
-              <a:spcBef>
-                <a:spcPts val="500"/>
-              </a:spcBef>
-              <a:buFont typeface="Amazon Ember" panose="020B0603020204020204" pitchFamily="34" charset="0"/>
-              <a:buChar char="•"/>
-              <a:defRPr sz="1800" kern="1200">
-                <a:solidFill>
-                  <a:schemeClr val="tx1"/>
-                </a:solidFill>
-                <a:latin typeface="+mn-lt"/>
-                <a:ea typeface="+mn-ea"/>
-                <a:cs typeface="+mn-cs"/>
-              </a:defRPr>
-            </a:lvl7pPr>
-            <a:lvl8pPr marL="3429000" indent="-228600" algn="l" defTabSz="914400" rtl="0" eaLnBrk="1" latinLnBrk="0" hangingPunct="1">
-              <a:lnSpc>
-                <a:spcPct val="90000"/>
-              </a:lnSpc>
-              <a:spcBef>
-                <a:spcPts val="500"/>
-              </a:spcBef>
-              <a:buFont typeface="Amazon Ember" panose="020B0603020204020204" pitchFamily="34" charset="0"/>
-              <a:buChar char="•"/>
-              <a:defRPr sz="1800" kern="1200">
-                <a:solidFill>
-                  <a:schemeClr val="tx1"/>
-                </a:solidFill>
-                <a:latin typeface="+mn-lt"/>
-                <a:ea typeface="+mn-ea"/>
-                <a:cs typeface="+mn-cs"/>
-              </a:defRPr>
-            </a:lvl8pPr>
-            <a:lvl9pPr marL="3886200" indent="-228600" algn="l" defTabSz="914400" rtl="0" eaLnBrk="1" latinLnBrk="0" hangingPunct="1">
-              <a:lnSpc>
-                <a:spcPct val="90000"/>
-              </a:lnSpc>
-              <a:spcBef>
-                <a:spcPts val="500"/>
-              </a:spcBef>
-              <a:buFont typeface="Amazon Ember" panose="020B0603020204020204" pitchFamily="34" charset="0"/>
-              <a:buChar char="•"/>
-              <a:defRPr sz="1800" kern="1200">
-                <a:solidFill>
-                  <a:schemeClr val="tx1"/>
-                </a:solidFill>
-                <a:latin typeface="+mn-lt"/>
-                <a:ea typeface="+mn-ea"/>
-                <a:cs typeface="+mn-cs"/>
-              </a:defRPr>
-            </a:lvl9pPr>
-          </a:lstStyle>
-          <a:p>
-            <a:pPr marL="0" indent="0">
-              <a:lnSpc>
-                <a:spcPct val="100000"/>
-              </a:lnSpc>
-              <a:spcAft>
-                <a:spcPts val="600"/>
-              </a:spcAft>
-              <a:buNone/>
-            </a:pPr>
-            <a:r>
-              <a:rPr lang="en-US" sz="2000" i="1" dirty="0">
-                <a:solidFill>
-                  <a:schemeClr val="bg2">
-                    <a:lumMod val="40000"/>
-                    <a:lumOff val="60000"/>
-                  </a:schemeClr>
-                </a:solidFill>
-                <a:effectLst>
-                  <a:glow>
-                    <a:schemeClr val="bg1"/>
-                  </a:glow>
-                </a:effectLst>
-              </a:rPr>
-              <a:t>{data}</a:t>
-            </a:r>
-          </a:p>
-        </p:txBody>
-      </p:sp>
-      <p:cxnSp>
-        <p:nvCxnSpPr>
-          <p:cNvPr id="133" name="Straight Arrow Connector 12">
-            <a:extLst>
-              <a:ext uri="{FF2B5EF4-FFF2-40B4-BE49-F238E27FC236}">
-                <a16:creationId xmlns:a16="http://schemas.microsoft.com/office/drawing/2014/main" id="{497B9B99-8998-2A5B-42E0-F3DA9C15D78D}"/>
-              </a:ext>
-            </a:extLst>
-          </p:cNvPr>
-          <p:cNvCxnSpPr>
-            <a:cxnSpLocks/>
-            <a:stCxn id="154" idx="1"/>
-            <a:endCxn id="161" idx="0"/>
-          </p:cNvCxnSpPr>
-          <p:nvPr/>
-        </p:nvCxnSpPr>
-        <p:spPr>
-          <a:xfrm rot="10800000" flipV="1">
-            <a:off x="1792411" y="815959"/>
-            <a:ext cx="3144866" cy="1668892"/>
-          </a:xfrm>
-          <a:prstGeom prst="bentConnector2">
-            <a:avLst/>
-          </a:prstGeom>
-          <a:ln w="19050" cap="rnd">
-            <a:solidFill>
-              <a:schemeClr val="tx1">
-                <a:lumMod val="75000"/>
-              </a:schemeClr>
-            </a:solidFill>
-            <a:round/>
-            <a:tailEnd type="triangle" w="lg" len="lg"/>
-          </a:ln>
-        </p:spPr>
-        <p:style>
-          <a:lnRef idx="1">
-            <a:schemeClr val="accent1"/>
-          </a:lnRef>
-          <a:fillRef idx="0">
-            <a:schemeClr val="accent1"/>
-          </a:fillRef>
-          <a:effectRef idx="0">
-            <a:schemeClr val="accent1"/>
-          </a:effectRef>
-          <a:fontRef idx="minor">
-            <a:schemeClr val="tx1"/>
-          </a:fontRef>
-        </p:style>
-      </p:cxnSp>
-      <p:cxnSp>
-        <p:nvCxnSpPr>
-          <p:cNvPr id="136" name="Straight Arrow Connector 12">
-            <a:extLst>
-              <a:ext uri="{FF2B5EF4-FFF2-40B4-BE49-F238E27FC236}">
-                <a16:creationId xmlns:a16="http://schemas.microsoft.com/office/drawing/2014/main" id="{A77084A1-BA68-7100-1FE8-0DE4D2C10006}"/>
-              </a:ext>
-            </a:extLst>
-          </p:cNvPr>
-          <p:cNvCxnSpPr>
-            <a:cxnSpLocks/>
-            <a:stCxn id="155" idx="1"/>
-            <a:endCxn id="161" idx="2"/>
-          </p:cNvCxnSpPr>
-          <p:nvPr/>
-        </p:nvCxnSpPr>
-        <p:spPr>
-          <a:xfrm rot="10800000">
-            <a:off x="1792411" y="3499580"/>
-            <a:ext cx="3169998" cy="2408638"/>
-          </a:xfrm>
-          <a:prstGeom prst="bentConnector2">
-            <a:avLst/>
-          </a:prstGeom>
-          <a:ln w="19050" cap="rnd">
-            <a:solidFill>
-              <a:schemeClr val="tx1">
-                <a:lumMod val="75000"/>
-              </a:schemeClr>
-            </a:solidFill>
-            <a:round/>
-            <a:tailEnd type="triangle" w="lg" len="lg"/>
-          </a:ln>
-        </p:spPr>
-        <p:style>
-          <a:lnRef idx="1">
-            <a:schemeClr val="accent1"/>
-          </a:lnRef>
-          <a:fillRef idx="0">
-            <a:schemeClr val="accent1"/>
-          </a:fillRef>
-          <a:effectRef idx="0">
-            <a:schemeClr val="accent1"/>
-          </a:effectRef>
-          <a:fontRef idx="minor">
-            <a:schemeClr val="tx1"/>
-          </a:fontRef>
-        </p:style>
-      </p:cxnSp>
-      <p:sp>
-        <p:nvSpPr>
-          <p:cNvPr id="141" name="Rounded Rectangle 140">
-            <a:extLst>
-              <a:ext uri="{FF2B5EF4-FFF2-40B4-BE49-F238E27FC236}">
-                <a16:creationId xmlns:a16="http://schemas.microsoft.com/office/drawing/2014/main" id="{161591EF-7EC9-9AB8-5B3F-DE9DDBC82AC1}"/>
-              </a:ext>
-            </a:extLst>
-          </p:cNvPr>
-          <p:cNvSpPr/>
-          <p:nvPr/>
-        </p:nvSpPr>
-        <p:spPr>
-          <a:xfrm>
-            <a:off x="1615420" y="5157187"/>
-            <a:ext cx="360000" cy="360000"/>
-          </a:xfrm>
-          <a:prstGeom prst="roundRect">
-            <a:avLst/>
-          </a:prstGeom>
-          <a:ln/>
-        </p:spPr>
-        <p:style>
-          <a:lnRef idx="2">
-            <a:schemeClr val="accent4">
-              <a:shade val="50000"/>
-            </a:schemeClr>
-          </a:lnRef>
-          <a:fillRef idx="1">
-            <a:schemeClr val="accent4"/>
-          </a:fillRef>
-          <a:effectRef idx="0">
-            <a:schemeClr val="accent4"/>
-          </a:effectRef>
-          <a:fontRef idx="minor">
-            <a:schemeClr val="lt1"/>
-          </a:fontRef>
-        </p:style>
-        <p:txBody>
-          <a:bodyPr lIns="45720" tIns="45720" rIns="45720" rtlCol="0" anchor="ctr"/>
-          <a:lstStyle/>
-          <a:p>
-            <a:pPr algn="ctr"/>
-            <a:r>
-              <a:rPr lang="en-GB" b="1" dirty="0">
-                <a:solidFill>
-                  <a:schemeClr val="tx1"/>
-                </a:solidFill>
-              </a:rPr>
-              <a:t>0</a:t>
-            </a:r>
-          </a:p>
-        </p:txBody>
-      </p:sp>
-      <p:sp>
-        <p:nvSpPr>
-          <p:cNvPr id="145" name="TextBox 144">
-            <a:extLst>
-              <a:ext uri="{FF2B5EF4-FFF2-40B4-BE49-F238E27FC236}">
-                <a16:creationId xmlns:a16="http://schemas.microsoft.com/office/drawing/2014/main" id="{87A1AECD-110D-B985-03CB-74BEFB65FF90}"/>
-              </a:ext>
-            </a:extLst>
-          </p:cNvPr>
-          <p:cNvSpPr txBox="1"/>
-          <p:nvPr/>
-        </p:nvSpPr>
-        <p:spPr>
-          <a:xfrm>
-            <a:off x="2668980" y="369802"/>
-            <a:ext cx="2340179" cy="400110"/>
-          </a:xfrm>
-          <a:prstGeom prst="rect">
-            <a:avLst/>
-          </a:prstGeom>
-          <a:noFill/>
-        </p:spPr>
-        <p:txBody>
-          <a:bodyPr wrap="square" anchor="ctr">
-            <a:spAutoFit/>
-          </a:bodyPr>
-          <a:lstStyle/>
-          <a:p>
-            <a:r>
-              <a:rPr lang="en-GB" sz="2800" baseline="-17000" dirty="0">
-                <a:solidFill>
-                  <a:schemeClr val="bg2">
-                    <a:lumMod val="40000"/>
-                    <a:lumOff val="60000"/>
-                  </a:schemeClr>
-                </a:solidFill>
-                <a:effectLst>
-                  <a:glow>
-                    <a:schemeClr val="bg1"/>
-                  </a:glow>
-                </a:effectLst>
-              </a:rPr>
-              <a:t>📜</a:t>
-            </a:r>
-            <a:r>
-              <a:rPr lang="en-GB" sz="1800" dirty="0"/>
-              <a:t> </a:t>
-            </a:r>
-            <a:r>
-              <a:rPr lang="en-GB" sz="2000" i="1" dirty="0">
-                <a:solidFill>
-                  <a:schemeClr val="bg2">
-                    <a:lumMod val="40000"/>
-                    <a:lumOff val="60000"/>
-                  </a:schemeClr>
-                </a:solidFill>
-                <a:effectLst>
-                  <a:glow>
-                    <a:schemeClr val="bg1"/>
-                  </a:glow>
-                </a:effectLst>
-              </a:rPr>
-              <a:t>manifest trusts</a:t>
-            </a:r>
-          </a:p>
-        </p:txBody>
-      </p:sp>
-      <p:sp>
-        <p:nvSpPr>
-          <p:cNvPr id="149" name="Rounded Rectangle 148">
-            <a:extLst>
-              <a:ext uri="{FF2B5EF4-FFF2-40B4-BE49-F238E27FC236}">
-                <a16:creationId xmlns:a16="http://schemas.microsoft.com/office/drawing/2014/main" id="{ACEBCED7-DC46-8B92-EB9C-ED6D49016A9A}"/>
-              </a:ext>
-            </a:extLst>
-          </p:cNvPr>
-          <p:cNvSpPr/>
-          <p:nvPr/>
-        </p:nvSpPr>
-        <p:spPr>
-          <a:xfrm>
-            <a:off x="1589898" y="1214130"/>
-            <a:ext cx="360000" cy="360000"/>
-          </a:xfrm>
-          <a:prstGeom prst="roundRect">
-            <a:avLst/>
-          </a:prstGeom>
-          <a:ln/>
-        </p:spPr>
-        <p:style>
-          <a:lnRef idx="2">
-            <a:schemeClr val="accent4">
-              <a:shade val="50000"/>
-            </a:schemeClr>
-          </a:lnRef>
-          <a:fillRef idx="1">
-            <a:schemeClr val="accent4"/>
-          </a:fillRef>
-          <a:effectRef idx="0">
-            <a:schemeClr val="accent4"/>
-          </a:effectRef>
-          <a:fontRef idx="minor">
-            <a:schemeClr val="lt1"/>
-          </a:fontRef>
-        </p:style>
-        <p:txBody>
-          <a:bodyPr lIns="45720" tIns="45720" rIns="45720" rtlCol="0" anchor="ctr"/>
-          <a:lstStyle/>
-          <a:p>
-            <a:pPr algn="ctr"/>
-            <a:r>
-              <a:rPr lang="en-GB" b="1" dirty="0">
-                <a:solidFill>
-                  <a:schemeClr val="tx1"/>
-                </a:solidFill>
-              </a:rPr>
-              <a:t>0</a:t>
-            </a:r>
-          </a:p>
-        </p:txBody>
-      </p:sp>
-      <p:sp>
-        <p:nvSpPr>
-          <p:cNvPr id="150" name="TextBox 149">
-            <a:extLst>
-              <a:ext uri="{FF2B5EF4-FFF2-40B4-BE49-F238E27FC236}">
-                <a16:creationId xmlns:a16="http://schemas.microsoft.com/office/drawing/2014/main" id="{A0AB8B65-8F1E-04A0-962B-90E16BFBD728}"/>
-              </a:ext>
-            </a:extLst>
-          </p:cNvPr>
-          <p:cNvSpPr txBox="1"/>
-          <p:nvPr/>
-        </p:nvSpPr>
-        <p:spPr>
-          <a:xfrm>
-            <a:off x="2709989" y="5941529"/>
-            <a:ext cx="2590983" cy="400110"/>
-          </a:xfrm>
-          <a:prstGeom prst="rect">
-            <a:avLst/>
-          </a:prstGeom>
-          <a:noFill/>
-        </p:spPr>
-        <p:txBody>
-          <a:bodyPr wrap="square" anchor="ctr">
-            <a:spAutoFit/>
-          </a:bodyPr>
-          <a:lstStyle/>
-          <a:p>
-            <a:r>
-              <a:rPr lang="en-GB" sz="2800" baseline="-17000" dirty="0">
-                <a:solidFill>
-                  <a:schemeClr val="bg2">
-                    <a:lumMod val="40000"/>
-                    <a:lumOff val="60000"/>
-                  </a:schemeClr>
-                </a:solidFill>
-                <a:effectLst>
-                  <a:glow>
-                    <a:schemeClr val="bg1"/>
-                  </a:glow>
-                </a:effectLst>
-              </a:rPr>
-              <a:t>📜</a:t>
-            </a:r>
-            <a:r>
-              <a:rPr lang="en-GB" sz="1800" dirty="0"/>
-              <a:t> </a:t>
-            </a:r>
-            <a:r>
-              <a:rPr lang="en-GB" sz="2000" i="1" dirty="0">
-                <a:solidFill>
-                  <a:schemeClr val="bg2">
-                    <a:lumMod val="40000"/>
-                    <a:lumOff val="60000"/>
-                  </a:schemeClr>
-                </a:solidFill>
-                <a:effectLst>
-                  <a:glow>
-                    <a:schemeClr val="bg1"/>
-                  </a:glow>
-                </a:effectLst>
-              </a:rPr>
-              <a:t>manifest trusts</a:t>
-            </a:r>
-          </a:p>
-        </p:txBody>
-      </p:sp>
-      <p:grpSp>
-        <p:nvGrpSpPr>
-          <p:cNvPr id="164" name="Group 163">
-            <a:extLst>
-              <a:ext uri="{FF2B5EF4-FFF2-40B4-BE49-F238E27FC236}">
-                <a16:creationId xmlns:a16="http://schemas.microsoft.com/office/drawing/2014/main" id="{6EF14FF8-0ADA-64D9-35D0-F82C2BE8D69F}"/>
-              </a:ext>
-            </a:extLst>
-          </p:cNvPr>
-          <p:cNvGrpSpPr/>
-          <p:nvPr/>
-        </p:nvGrpSpPr>
-        <p:grpSpPr>
-          <a:xfrm>
-            <a:off x="4937277" y="308594"/>
-            <a:ext cx="3978121" cy="1014729"/>
-            <a:chOff x="6139542" y="968452"/>
-            <a:chExt cx="3978121" cy="1014729"/>
-          </a:xfrm>
-        </p:grpSpPr>
-        <p:sp>
-          <p:nvSpPr>
-            <p:cNvPr id="3" name="Rectangle 2">
-              <a:extLst>
-                <a:ext uri="{FF2B5EF4-FFF2-40B4-BE49-F238E27FC236}">
-                  <a16:creationId xmlns:a16="http://schemas.microsoft.com/office/drawing/2014/main" id="{DDBA1EA4-0F4F-5D8D-912A-A333CF816FBA}"/>
-                </a:ext>
-              </a:extLst>
-            </p:cNvPr>
-            <p:cNvSpPr/>
-            <p:nvPr/>
-          </p:nvSpPr>
-          <p:spPr>
-            <a:xfrm>
-              <a:off x="6236556" y="1351846"/>
-              <a:ext cx="1458526" cy="562183"/>
-            </a:xfrm>
-            <a:prstGeom prst="rect">
-              <a:avLst/>
-            </a:prstGeom>
-            <a:solidFill>
-              <a:schemeClr val="tx1"/>
-            </a:solidFill>
-            <a:ln w="28575">
-              <a:solidFill>
-                <a:schemeClr val="tx1">
-                  <a:lumMod val="50000"/>
-                </a:schemeClr>
-              </a:solidFill>
-              <a:prstDash val="solid"/>
-            </a:ln>
-          </p:spPr>
-          <p:style>
-            <a:lnRef idx="2">
-              <a:schemeClr val="accent1">
-                <a:shade val="50000"/>
-              </a:schemeClr>
-            </a:lnRef>
-            <a:fillRef idx="1">
-              <a:schemeClr val="accent1"/>
-            </a:fillRef>
-            <a:effectRef idx="0">
-              <a:schemeClr val="accent1"/>
-            </a:effectRef>
-            <a:fontRef idx="minor">
-              <a:schemeClr val="lt1"/>
-            </a:fontRef>
-          </p:style>
-          <p:txBody>
-            <a:bodyPr lIns="144000" tIns="144000" rIns="144000" bIns="144000" anchor="ctr"/>
-            <a:lstStyle/>
-            <a:p>
-              <a:r>
-                <a:rPr lang="en-GB" sz="3200" baseline="-9000" dirty="0">
-                  <a:solidFill>
-                    <a:schemeClr val="bg1"/>
-                  </a:solidFill>
-                  <a:effectLst>
-                    <a:glow>
-                      <a:schemeClr val="bg1"/>
-                    </a:glow>
-                  </a:effectLst>
-                </a:rPr>
-                <a:t>🗄️</a:t>
-              </a:r>
-              <a:r>
-                <a:rPr lang="en-GB" sz="2400" baseline="-9000" dirty="0">
-                  <a:solidFill>
-                    <a:schemeClr val="bg1"/>
-                  </a:solidFill>
-                  <a:effectLst>
-                    <a:glow>
-                      <a:schemeClr val="bg1"/>
-                    </a:glow>
-                  </a:effectLst>
-                  <a:latin typeface="+mj-lt"/>
-                  <a:cs typeface="Arial" panose="020B0604020202020204" pitchFamily="34" charset="0"/>
-                </a:rPr>
-                <a:t> </a:t>
-              </a:r>
-              <a:r>
-                <a:rPr lang="en-GB" sz="2400" dirty="0">
-                  <a:solidFill>
-                    <a:schemeClr val="bg1"/>
-                  </a:solidFill>
-                  <a:latin typeface="+mj-lt"/>
-                  <a:cs typeface="Arial" panose="020B0604020202020204" pitchFamily="34" charset="0"/>
-                </a:rPr>
-                <a:t>Vault</a:t>
-              </a:r>
-            </a:p>
-          </p:txBody>
-        </p:sp>
-        <p:sp>
-          <p:nvSpPr>
-            <p:cNvPr id="154" name="Rectangle 153">
-              <a:extLst>
-                <a:ext uri="{FF2B5EF4-FFF2-40B4-BE49-F238E27FC236}">
-                  <a16:creationId xmlns:a16="http://schemas.microsoft.com/office/drawing/2014/main" id="{606DAAEE-51D5-77B8-DAB2-80DC776C6B00}"/>
-                </a:ext>
-              </a:extLst>
-            </p:cNvPr>
-            <p:cNvSpPr/>
-            <p:nvPr/>
-          </p:nvSpPr>
-          <p:spPr>
-            <a:xfrm>
-              <a:off x="6139542" y="968452"/>
-              <a:ext cx="3978121" cy="1014729"/>
-            </a:xfrm>
-            <a:prstGeom prst="rect">
-              <a:avLst/>
-            </a:prstGeom>
-            <a:noFill/>
-            <a:ln w="12700">
-              <a:solidFill>
-                <a:srgbClr val="5A6B86"/>
-              </a:solidFill>
-              <a:prstDash val="dash"/>
-            </a:ln>
-          </p:spPr>
-          <p:style>
-            <a:lnRef idx="2">
-              <a:schemeClr val="accent1">
-                <a:shade val="50000"/>
-              </a:schemeClr>
-            </a:lnRef>
-            <a:fillRef idx="1">
-              <a:schemeClr val="accent1"/>
-            </a:fillRef>
-            <a:effectRef idx="0">
-              <a:schemeClr val="accent1"/>
-            </a:effectRef>
-            <a:fontRef idx="minor">
-              <a:schemeClr val="lt1"/>
-            </a:fontRef>
-          </p:style>
-          <p:txBody>
-            <a:bodyPr tIns="36000"/>
-            <a:lstStyle/>
-            <a:p>
-              <a:pPr eaLnBrk="1" fontAlgn="auto" hangingPunct="1">
-                <a:spcBef>
-                  <a:spcPts val="0"/>
-                </a:spcBef>
-                <a:spcAft>
-                  <a:spcPts val="0"/>
-                </a:spcAft>
-                <a:defRPr/>
-              </a:pPr>
-              <a:r>
-                <a:rPr lang="en-GB" sz="2000" dirty="0">
-                  <a:solidFill>
-                    <a:schemeClr val="bg2">
-                      <a:lumMod val="40000"/>
-                      <a:lumOff val="60000"/>
-                    </a:schemeClr>
-                  </a:solidFill>
-                  <a:effectLst>
-                    <a:glow>
-                      <a:schemeClr val="bg1"/>
-                    </a:glow>
-                  </a:effectLst>
-                </a:rPr>
-                <a:t>👥</a:t>
-              </a:r>
-              <a:r>
-                <a:rPr lang="en-GB" sz="2000" i="1" dirty="0">
-                  <a:solidFill>
-                    <a:schemeClr val="bg2">
-                      <a:lumMod val="40000"/>
-                      <a:lumOff val="60000"/>
-                    </a:schemeClr>
-                  </a:solidFill>
-                  <a:effectLst>
-                    <a:glow>
-                      <a:schemeClr val="bg1"/>
-                    </a:glow>
-                  </a:effectLst>
-                </a:rPr>
-                <a:t> </a:t>
-              </a:r>
-              <a:r>
-                <a:rPr lang="en-US" sz="2000" i="1" dirty="0">
-                  <a:solidFill>
-                    <a:schemeClr val="bg2">
-                      <a:lumMod val="40000"/>
-                      <a:lumOff val="60000"/>
-                    </a:schemeClr>
-                  </a:solidFill>
-                  <a:effectLst>
-                    <a:glow>
-                      <a:schemeClr val="bg1"/>
-                    </a:glow>
-                  </a:effectLst>
-                </a:rPr>
-                <a:t>domain</a:t>
-              </a:r>
-            </a:p>
-          </p:txBody>
-        </p:sp>
-      </p:grpSp>
-      <p:grpSp>
-        <p:nvGrpSpPr>
-          <p:cNvPr id="165" name="Group 164">
-            <a:extLst>
-              <a:ext uri="{FF2B5EF4-FFF2-40B4-BE49-F238E27FC236}">
-                <a16:creationId xmlns:a16="http://schemas.microsoft.com/office/drawing/2014/main" id="{C762D697-A4AD-70E3-0BA7-F5E01A5CCE16}"/>
-              </a:ext>
-            </a:extLst>
-          </p:cNvPr>
-          <p:cNvGrpSpPr/>
-          <p:nvPr/>
-        </p:nvGrpSpPr>
-        <p:grpSpPr>
-          <a:xfrm>
-            <a:off x="4962409" y="5400853"/>
-            <a:ext cx="3971605" cy="1014729"/>
-            <a:chOff x="6164674" y="5137842"/>
-            <a:chExt cx="3971605" cy="1014729"/>
-          </a:xfrm>
-        </p:grpSpPr>
-        <p:sp>
-          <p:nvSpPr>
-            <p:cNvPr id="6" name="Rectangle 5">
-              <a:extLst>
-                <a:ext uri="{FF2B5EF4-FFF2-40B4-BE49-F238E27FC236}">
-                  <a16:creationId xmlns:a16="http://schemas.microsoft.com/office/drawing/2014/main" id="{562514E1-E86B-3982-5A6F-37717473BAD3}"/>
-                </a:ext>
-              </a:extLst>
-            </p:cNvPr>
-            <p:cNvSpPr/>
-            <p:nvPr/>
-          </p:nvSpPr>
-          <p:spPr>
-            <a:xfrm>
-              <a:off x="6258929" y="5490228"/>
-              <a:ext cx="3759129" cy="562183"/>
-            </a:xfrm>
-            <a:prstGeom prst="rect">
-              <a:avLst/>
-            </a:prstGeom>
-            <a:solidFill>
-              <a:schemeClr val="tx1">
-                <a:lumMod val="95000"/>
-              </a:schemeClr>
-            </a:solidFill>
-            <a:ln w="28575">
-              <a:solidFill>
-                <a:schemeClr val="tx1">
-                  <a:lumMod val="50000"/>
-                </a:schemeClr>
-              </a:solidFill>
-              <a:prstDash val="solid"/>
-            </a:ln>
-          </p:spPr>
-          <p:style>
-            <a:lnRef idx="2">
-              <a:schemeClr val="accent1">
-                <a:shade val="50000"/>
-              </a:schemeClr>
-            </a:lnRef>
-            <a:fillRef idx="1">
-              <a:schemeClr val="accent1"/>
-            </a:fillRef>
-            <a:effectRef idx="0">
-              <a:schemeClr val="accent1"/>
-            </a:effectRef>
-            <a:fontRef idx="minor">
-              <a:schemeClr val="lt1"/>
-            </a:fontRef>
-          </p:style>
-          <p:txBody>
-            <a:bodyPr lIns="144000" tIns="144000" rIns="144000" bIns="144000" anchor="ctr"/>
-            <a:lstStyle/>
-            <a:p>
-              <a:pPr>
-                <a:defRPr/>
-              </a:pPr>
-              <a:r>
-                <a:rPr lang="en-GB" sz="3200" baseline="-9000" dirty="0">
-                  <a:solidFill>
-                    <a:schemeClr val="bg2">
-                      <a:lumMod val="40000"/>
-                      <a:lumOff val="60000"/>
-                    </a:schemeClr>
-                  </a:solidFill>
-                  <a:effectLst>
-                    <a:glow>
-                      <a:schemeClr val="bg1"/>
-                    </a:glow>
-                  </a:effectLst>
-                </a:rPr>
-                <a:t>💼</a:t>
-              </a:r>
-              <a:r>
-                <a:rPr lang="en-GB" sz="2400" dirty="0">
-                  <a:solidFill>
-                    <a:sysClr val="windowText" lastClr="000000"/>
-                  </a:solidFill>
-                  <a:latin typeface="+mj-lt"/>
-                  <a:cs typeface="Arial" panose="020B0604020202020204" pitchFamily="34" charset="0"/>
-                </a:rPr>
-                <a:t> Consumer</a:t>
-              </a:r>
-            </a:p>
-          </p:txBody>
-        </p:sp>
-        <p:sp>
-          <p:nvSpPr>
-            <p:cNvPr id="155" name="Rectangle 154">
-              <a:extLst>
-                <a:ext uri="{FF2B5EF4-FFF2-40B4-BE49-F238E27FC236}">
-                  <a16:creationId xmlns:a16="http://schemas.microsoft.com/office/drawing/2014/main" id="{F59A2CC4-1499-9528-10A3-A9464CCEAAB8}"/>
-                </a:ext>
-              </a:extLst>
-            </p:cNvPr>
-            <p:cNvSpPr/>
-            <p:nvPr/>
-          </p:nvSpPr>
-          <p:spPr>
-            <a:xfrm>
-              <a:off x="6164674" y="5137842"/>
-              <a:ext cx="3971605" cy="1014729"/>
-            </a:xfrm>
-            <a:prstGeom prst="rect">
-              <a:avLst/>
-            </a:prstGeom>
-            <a:noFill/>
-            <a:ln w="12700">
-              <a:solidFill>
-                <a:srgbClr val="5A6B86"/>
-              </a:solidFill>
-              <a:prstDash val="dash"/>
-            </a:ln>
-          </p:spPr>
-          <p:style>
-            <a:lnRef idx="2">
-              <a:schemeClr val="accent1">
-                <a:shade val="50000"/>
-              </a:schemeClr>
-            </a:lnRef>
-            <a:fillRef idx="1">
-              <a:schemeClr val="accent1"/>
-            </a:fillRef>
-            <a:effectRef idx="0">
-              <a:schemeClr val="accent1"/>
-            </a:effectRef>
-            <a:fontRef idx="minor">
-              <a:schemeClr val="lt1"/>
-            </a:fontRef>
-          </p:style>
-          <p:txBody>
-            <a:bodyPr tIns="36000"/>
-            <a:lstStyle/>
-            <a:p>
-              <a:pPr eaLnBrk="1" fontAlgn="auto" hangingPunct="1">
-                <a:spcBef>
-                  <a:spcPts val="0"/>
-                </a:spcBef>
-                <a:spcAft>
-                  <a:spcPts val="0"/>
-                </a:spcAft>
-                <a:defRPr/>
-              </a:pPr>
-              <a:r>
-                <a:rPr lang="en-GB" sz="2000" dirty="0">
-                  <a:solidFill>
-                    <a:schemeClr val="bg2">
-                      <a:lumMod val="40000"/>
-                      <a:lumOff val="60000"/>
-                    </a:schemeClr>
-                  </a:solidFill>
-                  <a:effectLst>
-                    <a:glow>
-                      <a:schemeClr val="bg1"/>
-                    </a:glow>
-                  </a:effectLst>
-                </a:rPr>
-                <a:t>👥</a:t>
-              </a:r>
-              <a:r>
-                <a:rPr lang="en-GB" sz="2000" i="1" dirty="0">
-                  <a:solidFill>
-                    <a:schemeClr val="bg2">
-                      <a:lumMod val="40000"/>
-                      <a:lumOff val="60000"/>
-                    </a:schemeClr>
-                  </a:solidFill>
-                  <a:effectLst>
-                    <a:glow>
-                      <a:schemeClr val="bg1"/>
-                    </a:glow>
-                  </a:effectLst>
-                </a:rPr>
-                <a:t> </a:t>
-              </a:r>
-              <a:r>
-                <a:rPr lang="en-US" sz="2000" i="1" dirty="0">
-                  <a:solidFill>
-                    <a:schemeClr val="bg2">
-                      <a:lumMod val="40000"/>
-                      <a:lumOff val="60000"/>
-                    </a:schemeClr>
-                  </a:solidFill>
-                  <a:effectLst>
-                    <a:glow>
-                      <a:schemeClr val="bg1"/>
-                    </a:glow>
-                  </a:effectLst>
-                </a:rPr>
-                <a:t>domain</a:t>
-              </a:r>
-            </a:p>
-          </p:txBody>
-        </p:sp>
-      </p:grpSp>
-      <p:grpSp>
-        <p:nvGrpSpPr>
-          <p:cNvPr id="4" name="Group 3">
-            <a:extLst>
-              <a:ext uri="{FF2B5EF4-FFF2-40B4-BE49-F238E27FC236}">
-                <a16:creationId xmlns:a16="http://schemas.microsoft.com/office/drawing/2014/main" id="{C0D57017-E354-6F58-9AEC-16B1DE6CFD0E}"/>
-              </a:ext>
-            </a:extLst>
-          </p:cNvPr>
-          <p:cNvGrpSpPr/>
-          <p:nvPr/>
-        </p:nvGrpSpPr>
-        <p:grpSpPr>
-          <a:xfrm>
-            <a:off x="712971" y="2484851"/>
-            <a:ext cx="2158880" cy="1014729"/>
-            <a:chOff x="712971" y="2543574"/>
-            <a:chExt cx="2158880" cy="1014729"/>
-          </a:xfrm>
-        </p:grpSpPr>
-        <p:sp>
-          <p:nvSpPr>
-            <p:cNvPr id="132" name="Rectangle 131">
-              <a:extLst>
-                <a:ext uri="{FF2B5EF4-FFF2-40B4-BE49-F238E27FC236}">
-                  <a16:creationId xmlns:a16="http://schemas.microsoft.com/office/drawing/2014/main" id="{06E68111-1549-CD8F-287B-98D44D37B748}"/>
-                </a:ext>
-              </a:extLst>
-            </p:cNvPr>
-            <p:cNvSpPr/>
-            <p:nvPr/>
-          </p:nvSpPr>
-          <p:spPr>
-            <a:xfrm>
-              <a:off x="797539" y="2928855"/>
-              <a:ext cx="1998301" cy="562183"/>
-            </a:xfrm>
-            <a:prstGeom prst="rect">
-              <a:avLst/>
-            </a:prstGeom>
-            <a:solidFill>
-              <a:schemeClr val="tx1">
-                <a:lumMod val="95000"/>
-              </a:schemeClr>
-            </a:solidFill>
-            <a:ln w="28575">
-              <a:solidFill>
-                <a:schemeClr val="tx1">
-                  <a:lumMod val="50000"/>
-                </a:schemeClr>
-              </a:solidFill>
-              <a:prstDash val="solid"/>
-            </a:ln>
-          </p:spPr>
-          <p:style>
-            <a:lnRef idx="2">
-              <a:schemeClr val="accent1">
-                <a:shade val="50000"/>
-              </a:schemeClr>
-            </a:lnRef>
-            <a:fillRef idx="1">
-              <a:schemeClr val="accent1"/>
-            </a:fillRef>
-            <a:effectRef idx="0">
-              <a:schemeClr val="accent1"/>
-            </a:effectRef>
-            <a:fontRef idx="minor">
-              <a:schemeClr val="lt1"/>
-            </a:fontRef>
-          </p:style>
-          <p:txBody>
-            <a:bodyPr lIns="144000" tIns="144000" rIns="144000" bIns="144000" anchor="ctr"/>
-            <a:lstStyle/>
-            <a:p>
-              <a:pPr>
-                <a:defRPr/>
-              </a:pPr>
-              <a:r>
-                <a:rPr lang="en-GB" sz="3200" baseline="-9000" dirty="0">
-                  <a:solidFill>
-                    <a:schemeClr val="bg2">
-                      <a:lumMod val="40000"/>
-                      <a:lumOff val="60000"/>
-                    </a:schemeClr>
-                  </a:solidFill>
-                  <a:effectLst>
-                    <a:glow>
-                      <a:schemeClr val="bg1"/>
-                    </a:glow>
-                  </a:effectLst>
-                </a:rPr>
-                <a:t>🕸</a:t>
-              </a:r>
-              <a:r>
-                <a:rPr lang="en-GB" sz="2400" dirty="0">
-                  <a:solidFill>
-                    <a:sysClr val="windowText" lastClr="000000"/>
-                  </a:solidFill>
-                  <a:latin typeface="+mj-lt"/>
-                  <a:cs typeface="Arial" panose="020B0604020202020204" pitchFamily="34" charset="0"/>
-                </a:rPr>
-                <a:t> Graph</a:t>
-              </a:r>
-            </a:p>
-          </p:txBody>
-        </p:sp>
-        <p:sp>
-          <p:nvSpPr>
-            <p:cNvPr id="161" name="Rectangle 160">
-              <a:extLst>
-                <a:ext uri="{FF2B5EF4-FFF2-40B4-BE49-F238E27FC236}">
-                  <a16:creationId xmlns:a16="http://schemas.microsoft.com/office/drawing/2014/main" id="{57687C1D-CCD6-E82F-89E3-930641280788}"/>
-                </a:ext>
-              </a:extLst>
-            </p:cNvPr>
-            <p:cNvSpPr/>
-            <p:nvPr/>
-          </p:nvSpPr>
-          <p:spPr>
-            <a:xfrm>
-              <a:off x="712971" y="2543574"/>
-              <a:ext cx="2158880" cy="1014729"/>
-            </a:xfrm>
-            <a:prstGeom prst="rect">
-              <a:avLst/>
-            </a:prstGeom>
-            <a:noFill/>
-            <a:ln w="12700">
-              <a:solidFill>
-                <a:srgbClr val="5A6B86"/>
-              </a:solidFill>
-              <a:prstDash val="dash"/>
-            </a:ln>
-          </p:spPr>
-          <p:style>
-            <a:lnRef idx="2">
-              <a:schemeClr val="accent1">
-                <a:shade val="50000"/>
-              </a:schemeClr>
-            </a:lnRef>
-            <a:fillRef idx="1">
-              <a:schemeClr val="accent1"/>
-            </a:fillRef>
-            <a:effectRef idx="0">
-              <a:schemeClr val="accent1"/>
-            </a:effectRef>
-            <a:fontRef idx="minor">
-              <a:schemeClr val="lt1"/>
-            </a:fontRef>
-          </p:style>
-          <p:txBody>
-            <a:bodyPr tIns="36000"/>
-            <a:lstStyle/>
-            <a:p>
-              <a:pPr eaLnBrk="1" fontAlgn="auto" hangingPunct="1">
-                <a:spcBef>
-                  <a:spcPts val="0"/>
-                </a:spcBef>
-                <a:spcAft>
-                  <a:spcPts val="0"/>
-                </a:spcAft>
-                <a:defRPr/>
-              </a:pPr>
-              <a:r>
-                <a:rPr lang="en-GB" sz="1600" dirty="0">
-                  <a:solidFill>
-                    <a:schemeClr val="bg2">
-                      <a:lumMod val="40000"/>
-                      <a:lumOff val="60000"/>
-                    </a:schemeClr>
-                  </a:solidFill>
-                  <a:effectLst>
-                    <a:glow>
-                      <a:schemeClr val="bg1"/>
-                    </a:glow>
-                  </a:effectLst>
-                </a:rPr>
-                <a:t>👂</a:t>
-              </a:r>
-              <a:r>
-                <a:rPr lang="en-GB" sz="2000" i="1" dirty="0">
-                  <a:solidFill>
-                    <a:schemeClr val="bg2">
-                      <a:lumMod val="40000"/>
-                      <a:lumOff val="60000"/>
-                    </a:schemeClr>
-                  </a:solidFill>
-                  <a:effectLst>
-                    <a:glow>
-                      <a:schemeClr val="bg1"/>
-                    </a:glow>
-                  </a:effectLst>
-                </a:rPr>
-                <a:t> </a:t>
-              </a:r>
-              <a:r>
-                <a:rPr lang="en-US" sz="2000" i="1" dirty="0">
-                  <a:solidFill>
-                    <a:schemeClr val="bg2">
-                      <a:lumMod val="40000"/>
-                      <a:lumOff val="60000"/>
-                    </a:schemeClr>
-                  </a:solidFill>
-                  <a:effectLst>
-                    <a:glow>
-                      <a:schemeClr val="bg1"/>
-                    </a:glow>
-                  </a:effectLst>
-                </a:rPr>
-                <a:t>listeners</a:t>
-              </a:r>
-            </a:p>
-          </p:txBody>
-        </p:sp>
-      </p:grpSp>
-      <p:cxnSp>
-        <p:nvCxnSpPr>
-          <p:cNvPr id="2" name="Straight Arrow Connector 12">
-            <a:extLst>
-              <a:ext uri="{FF2B5EF4-FFF2-40B4-BE49-F238E27FC236}">
-                <a16:creationId xmlns:a16="http://schemas.microsoft.com/office/drawing/2014/main" id="{45B830F6-60FF-2AC0-31E2-D0317407E518}"/>
-              </a:ext>
-            </a:extLst>
-          </p:cNvPr>
-          <p:cNvCxnSpPr>
-            <a:cxnSpLocks/>
-            <a:stCxn id="24" idx="1"/>
-          </p:cNvCxnSpPr>
-          <p:nvPr/>
-        </p:nvCxnSpPr>
-        <p:spPr>
-          <a:xfrm flipH="1">
-            <a:off x="2871851" y="3142325"/>
-            <a:ext cx="2227578" cy="8898"/>
-          </a:xfrm>
-          <a:prstGeom prst="straightConnector1">
-            <a:avLst/>
-          </a:prstGeom>
-          <a:ln w="19050" cap="rnd">
-            <a:solidFill>
-              <a:schemeClr val="tx1">
-                <a:lumMod val="75000"/>
-              </a:schemeClr>
-            </a:solidFill>
-            <a:round/>
-            <a:tailEnd type="triangle" w="lg" len="lg"/>
-          </a:ln>
-        </p:spPr>
-        <p:style>
-          <a:lnRef idx="1">
-            <a:schemeClr val="accent1"/>
-          </a:lnRef>
-          <a:fillRef idx="0">
-            <a:schemeClr val="accent1"/>
-          </a:fillRef>
-          <a:effectRef idx="0">
-            <a:schemeClr val="accent1"/>
-          </a:effectRef>
-          <a:fontRef idx="minor">
-            <a:schemeClr val="tx1"/>
-          </a:fontRef>
-        </p:style>
-      </p:cxnSp>
-      <p:sp>
-        <p:nvSpPr>
-          <p:cNvPr id="11" name="Content Placeholder 2">
-            <a:extLst>
-              <a:ext uri="{FF2B5EF4-FFF2-40B4-BE49-F238E27FC236}">
-                <a16:creationId xmlns:a16="http://schemas.microsoft.com/office/drawing/2014/main" id="{95B6723B-A6EE-F75E-6827-F6D7F7A09B89}"/>
-              </a:ext>
-            </a:extLst>
-          </p:cNvPr>
-          <p:cNvSpPr txBox="1">
-            <a:spLocks/>
-          </p:cNvSpPr>
-          <p:nvPr/>
-        </p:nvSpPr>
-        <p:spPr>
-          <a:xfrm>
-            <a:off x="3058482" y="3158075"/>
-            <a:ext cx="1806377" cy="400110"/>
-          </a:xfrm>
-          <a:prstGeom prst="rect">
-            <a:avLst/>
-          </a:prstGeom>
-        </p:spPr>
-        <p:txBody>
-          <a:bodyPr wrap="square">
-            <a:spAutoFit/>
-          </a:bodyPr>
-          <a:lstStyle>
-            <a:lvl1pPr marL="228600" indent="-228600" algn="l" defTabSz="914400" rtl="0" eaLnBrk="1" latinLnBrk="0" hangingPunct="1">
-              <a:lnSpc>
-                <a:spcPct val="90000"/>
-              </a:lnSpc>
-              <a:spcBef>
-                <a:spcPts val="0"/>
-              </a:spcBef>
-              <a:spcAft>
-                <a:spcPts val="1200"/>
-              </a:spcAft>
-              <a:buSzPct val="90000"/>
-              <a:buFont typeface="Amazon Ember" panose="020B0603020204020204" pitchFamily="34" charset="0"/>
-              <a:buChar char="•"/>
-              <a:defRPr sz="2800" kern="1200">
-                <a:solidFill>
-                  <a:schemeClr val="tx1"/>
-                </a:solidFill>
-                <a:latin typeface="+mn-lt"/>
-                <a:ea typeface="+mn-ea"/>
-                <a:cs typeface="+mn-cs"/>
-              </a:defRPr>
-            </a:lvl1pPr>
-            <a:lvl2pPr marL="457200" indent="-228600" algn="l" defTabSz="914400" rtl="0" eaLnBrk="1" latinLnBrk="0" hangingPunct="1">
-              <a:lnSpc>
-                <a:spcPct val="90000"/>
-              </a:lnSpc>
-              <a:spcBef>
-                <a:spcPts val="0"/>
-              </a:spcBef>
-              <a:spcAft>
-                <a:spcPts val="1200"/>
-              </a:spcAft>
-              <a:buSzPct val="90000"/>
-              <a:buFont typeface="Wingdings" panose="05000000000000000000" pitchFamily="2" charset="2"/>
-              <a:buChar char="§"/>
-              <a:defRPr sz="2400" kern="1200">
-                <a:solidFill>
-                  <a:schemeClr val="tx1"/>
-                </a:solidFill>
-                <a:latin typeface="+mn-lt"/>
-                <a:ea typeface="+mn-ea"/>
-                <a:cs typeface="+mn-cs"/>
-              </a:defRPr>
-            </a:lvl2pPr>
-            <a:lvl3pPr marL="685800" indent="-228600" algn="l" defTabSz="914400" rtl="0" eaLnBrk="1" latinLnBrk="0" hangingPunct="1">
-              <a:lnSpc>
-                <a:spcPct val="90000"/>
-              </a:lnSpc>
-              <a:spcBef>
-                <a:spcPts val="0"/>
-              </a:spcBef>
-              <a:spcAft>
-                <a:spcPts val="1200"/>
-              </a:spcAft>
-              <a:buSzPct val="90000"/>
-              <a:buFont typeface="Amazon Ember" panose="020B0603020204020204" pitchFamily="34" charset="0"/>
-              <a:buChar char="–"/>
-              <a:defRPr sz="2000" kern="1200">
-                <a:solidFill>
-                  <a:schemeClr val="tx1"/>
-                </a:solidFill>
-                <a:latin typeface="+mn-lt"/>
-                <a:ea typeface="+mn-ea"/>
-                <a:cs typeface="+mn-cs"/>
-              </a:defRPr>
-            </a:lvl3pPr>
-            <a:lvl4pPr marL="914400" indent="-228600" algn="l" defTabSz="914400" rtl="0" eaLnBrk="1" latinLnBrk="0" hangingPunct="1">
-              <a:lnSpc>
-                <a:spcPct val="90000"/>
-              </a:lnSpc>
-              <a:spcBef>
-                <a:spcPts val="0"/>
-              </a:spcBef>
-              <a:spcAft>
-                <a:spcPts val="1200"/>
-              </a:spcAft>
-              <a:buFont typeface="Amazon Ember" panose="020B0603020204020204" pitchFamily="34" charset="0"/>
-              <a:buChar char="•"/>
-              <a:defRPr sz="1800" kern="1200">
-                <a:solidFill>
-                  <a:schemeClr val="tx1"/>
-                </a:solidFill>
-                <a:latin typeface="+mn-lt"/>
-                <a:ea typeface="+mn-ea"/>
-                <a:cs typeface="+mn-cs"/>
-              </a:defRPr>
-            </a:lvl4pPr>
-            <a:lvl5pPr marL="1143000" indent="-228600" algn="l" defTabSz="914400" rtl="0" eaLnBrk="1" latinLnBrk="0" hangingPunct="1">
-              <a:lnSpc>
-                <a:spcPct val="90000"/>
-              </a:lnSpc>
-              <a:spcBef>
-                <a:spcPts val="0"/>
-              </a:spcBef>
-              <a:spcAft>
-                <a:spcPts val="1200"/>
-              </a:spcAft>
-              <a:buFont typeface="Amazon Ember" panose="020B0603020204020204" pitchFamily="34" charset="0"/>
-              <a:buChar char="•"/>
-              <a:defRPr sz="1800" kern="1200">
-                <a:solidFill>
-                  <a:schemeClr val="tx1"/>
-                </a:solidFill>
-                <a:latin typeface="+mn-lt"/>
-                <a:ea typeface="+mn-ea"/>
-                <a:cs typeface="+mn-cs"/>
-              </a:defRPr>
-            </a:lvl5pPr>
-            <a:lvl6pPr marL="2514600" indent="-228600" algn="l" defTabSz="914400" rtl="0" eaLnBrk="1" latinLnBrk="0" hangingPunct="1">
-              <a:lnSpc>
-                <a:spcPct val="90000"/>
-              </a:lnSpc>
-              <a:spcBef>
-                <a:spcPts val="500"/>
-              </a:spcBef>
-              <a:buFont typeface="Amazon Ember" panose="020B0603020204020204" pitchFamily="34" charset="0"/>
-              <a:buChar char="•"/>
-              <a:defRPr sz="1800" kern="1200">
-                <a:solidFill>
-                  <a:schemeClr val="tx1"/>
-                </a:solidFill>
-                <a:latin typeface="+mn-lt"/>
-                <a:ea typeface="+mn-ea"/>
-                <a:cs typeface="+mn-cs"/>
-              </a:defRPr>
-            </a:lvl6pPr>
-            <a:lvl7pPr marL="2971800" indent="-228600" algn="l" defTabSz="914400" rtl="0" eaLnBrk="1" latinLnBrk="0" hangingPunct="1">
-              <a:lnSpc>
-                <a:spcPct val="90000"/>
-              </a:lnSpc>
-              <a:spcBef>
-                <a:spcPts val="500"/>
-              </a:spcBef>
-              <a:buFont typeface="Amazon Ember" panose="020B0603020204020204" pitchFamily="34" charset="0"/>
-              <a:buChar char="•"/>
-              <a:defRPr sz="1800" kern="1200">
-                <a:solidFill>
-                  <a:schemeClr val="tx1"/>
-                </a:solidFill>
-                <a:latin typeface="+mn-lt"/>
-                <a:ea typeface="+mn-ea"/>
-                <a:cs typeface="+mn-cs"/>
-              </a:defRPr>
-            </a:lvl7pPr>
-            <a:lvl8pPr marL="3429000" indent="-228600" algn="l" defTabSz="914400" rtl="0" eaLnBrk="1" latinLnBrk="0" hangingPunct="1">
-              <a:lnSpc>
-                <a:spcPct val="90000"/>
-              </a:lnSpc>
-              <a:spcBef>
-                <a:spcPts val="500"/>
-              </a:spcBef>
-              <a:buFont typeface="Amazon Ember" panose="020B0603020204020204" pitchFamily="34" charset="0"/>
-              <a:buChar char="•"/>
-              <a:defRPr sz="1800" kern="1200">
-                <a:solidFill>
-                  <a:schemeClr val="tx1"/>
-                </a:solidFill>
-                <a:latin typeface="+mn-lt"/>
-                <a:ea typeface="+mn-ea"/>
-                <a:cs typeface="+mn-cs"/>
-              </a:defRPr>
-            </a:lvl8pPr>
-            <a:lvl9pPr marL="3886200" indent="-228600" algn="l" defTabSz="914400" rtl="0" eaLnBrk="1" latinLnBrk="0" hangingPunct="1">
-              <a:lnSpc>
-                <a:spcPct val="90000"/>
-              </a:lnSpc>
-              <a:spcBef>
-                <a:spcPts val="500"/>
-              </a:spcBef>
-              <a:buFont typeface="Amazon Ember" panose="020B0603020204020204" pitchFamily="34" charset="0"/>
-              <a:buChar char="•"/>
-              <a:defRPr sz="1800" kern="1200">
-                <a:solidFill>
-                  <a:schemeClr val="tx1"/>
-                </a:solidFill>
-                <a:latin typeface="+mn-lt"/>
-                <a:ea typeface="+mn-ea"/>
-                <a:cs typeface="+mn-cs"/>
-              </a:defRPr>
-            </a:lvl9pPr>
-          </a:lstStyle>
-          <a:p>
-            <a:pPr marL="0" indent="0" algn="ctr">
-              <a:lnSpc>
-                <a:spcPct val="100000"/>
-              </a:lnSpc>
-              <a:spcAft>
-                <a:spcPts val="600"/>
-              </a:spcAft>
-              <a:buNone/>
-            </a:pPr>
-            <a:r>
-              <a:rPr lang="en-US" sz="2000" i="1" dirty="0">
-                <a:solidFill>
-                  <a:schemeClr val="bg2">
-                    <a:lumMod val="40000"/>
-                    <a:lumOff val="60000"/>
-                  </a:schemeClr>
-                </a:solidFill>
-                <a:effectLst>
-                  <a:glow>
-                    <a:schemeClr val="bg1"/>
-                  </a:glow>
-                </a:effectLst>
-              </a:rPr>
-              <a:t>trustworthy?</a:t>
-            </a:r>
-          </a:p>
-        </p:txBody>
-      </p:sp>
-      <p:grpSp>
-        <p:nvGrpSpPr>
-          <p:cNvPr id="20" name="Group 19">
-            <a:extLst>
-              <a:ext uri="{FF2B5EF4-FFF2-40B4-BE49-F238E27FC236}">
-                <a16:creationId xmlns:a16="http://schemas.microsoft.com/office/drawing/2014/main" id="{341D4383-86BE-1D74-69BE-F4C672CAE4D6}"/>
-              </a:ext>
-            </a:extLst>
-          </p:cNvPr>
-          <p:cNvGrpSpPr/>
-          <p:nvPr/>
-        </p:nvGrpSpPr>
-        <p:grpSpPr>
-          <a:xfrm>
-            <a:off x="4937275" y="2733879"/>
-            <a:ext cx="3480229" cy="1551822"/>
-            <a:chOff x="6096000" y="4418673"/>
-            <a:chExt cx="2550710" cy="1551822"/>
-          </a:xfrm>
-        </p:grpSpPr>
-        <p:sp>
-          <p:nvSpPr>
-            <p:cNvPr id="21" name="Rectangle 20">
-              <a:extLst>
-                <a:ext uri="{FF2B5EF4-FFF2-40B4-BE49-F238E27FC236}">
-                  <a16:creationId xmlns:a16="http://schemas.microsoft.com/office/drawing/2014/main" id="{70877B8C-1A56-BE15-CCF7-F3760CABF25B}"/>
-                </a:ext>
-              </a:extLst>
-            </p:cNvPr>
-            <p:cNvSpPr/>
-            <p:nvPr/>
-          </p:nvSpPr>
-          <p:spPr>
-            <a:xfrm>
-              <a:off x="6096000" y="4418673"/>
-              <a:ext cx="2550710" cy="1551822"/>
-            </a:xfrm>
-            <a:prstGeom prst="rect">
-              <a:avLst/>
-            </a:prstGeom>
-            <a:noFill/>
-            <a:ln w="12700">
-              <a:solidFill>
-                <a:srgbClr val="5A6B86"/>
-              </a:solidFill>
-              <a:prstDash val="dash"/>
-            </a:ln>
-          </p:spPr>
-          <p:style>
-            <a:lnRef idx="2">
-              <a:schemeClr val="accent1">
-                <a:shade val="50000"/>
-              </a:schemeClr>
-            </a:lnRef>
-            <a:fillRef idx="1">
-              <a:schemeClr val="accent1"/>
-            </a:fillRef>
-            <a:effectRef idx="0">
-              <a:schemeClr val="accent1"/>
-            </a:effectRef>
-            <a:fontRef idx="minor">
-              <a:schemeClr val="lt1"/>
-            </a:fontRef>
-          </p:style>
-          <p:txBody>
-            <a:bodyPr tIns="36000"/>
-            <a:lstStyle/>
-            <a:p>
-              <a:endParaRPr lang="en-GB" sz="2000" dirty="0">
-                <a:solidFill>
-                  <a:schemeClr val="bg2">
-                    <a:lumMod val="40000"/>
-                    <a:lumOff val="60000"/>
-                  </a:schemeClr>
-                </a:solidFill>
-                <a:effectLst>
-                  <a:glow>
-                    <a:schemeClr val="bg1"/>
-                  </a:glow>
-                </a:effectLst>
-              </a:endParaRPr>
-            </a:p>
-          </p:txBody>
-        </p:sp>
-        <p:sp>
-          <p:nvSpPr>
-            <p:cNvPr id="22" name="Rectangle 21">
-              <a:extLst>
-                <a:ext uri="{FF2B5EF4-FFF2-40B4-BE49-F238E27FC236}">
-                  <a16:creationId xmlns:a16="http://schemas.microsoft.com/office/drawing/2014/main" id="{B04FDA81-85B6-0913-B70E-E67F67223AD7}"/>
-                </a:ext>
-              </a:extLst>
-            </p:cNvPr>
-            <p:cNvSpPr/>
-            <p:nvPr/>
-          </p:nvSpPr>
-          <p:spPr>
-            <a:xfrm>
-              <a:off x="6214845" y="5213618"/>
-              <a:ext cx="2345083" cy="615232"/>
-            </a:xfrm>
-            <a:prstGeom prst="rect">
-              <a:avLst/>
-            </a:prstGeom>
-            <a:solidFill>
-              <a:schemeClr val="tx1">
-                <a:lumMod val="95000"/>
-              </a:schemeClr>
-            </a:solidFill>
-            <a:ln w="28575">
-              <a:solidFill>
-                <a:schemeClr val="tx1">
-                  <a:lumMod val="50000"/>
-                </a:schemeClr>
-              </a:solidFill>
-              <a:prstDash val="solid"/>
-            </a:ln>
-          </p:spPr>
-          <p:style>
-            <a:lnRef idx="2">
-              <a:schemeClr val="accent1">
-                <a:shade val="50000"/>
-              </a:schemeClr>
-            </a:lnRef>
-            <a:fillRef idx="1">
-              <a:schemeClr val="accent1"/>
-            </a:fillRef>
-            <a:effectRef idx="0">
-              <a:schemeClr val="accent1"/>
-            </a:effectRef>
-            <a:fontRef idx="minor">
-              <a:schemeClr val="lt1"/>
-            </a:fontRef>
-          </p:style>
-          <p:txBody>
-            <a:bodyPr lIns="144000" tIns="144000" rIns="144000" bIns="144000" anchor="t"/>
-            <a:lstStyle/>
-            <a:p>
-              <a:pPr>
-                <a:defRPr/>
-              </a:pPr>
-              <a:r>
-                <a:rPr lang="en-GB" sz="3600" baseline="-9000" dirty="0">
-                  <a:solidFill>
-                    <a:schemeClr val="bg2">
-                      <a:lumMod val="40000"/>
-                      <a:lumOff val="60000"/>
-                    </a:schemeClr>
-                  </a:solidFill>
-                  <a:effectLst>
-                    <a:glow>
-                      <a:schemeClr val="bg1"/>
-                    </a:glow>
-                  </a:effectLst>
-                </a:rPr>
-                <a:t>🧑‍🦰</a:t>
-              </a:r>
-              <a:r>
-                <a:rPr lang="en-GB" sz="2400" dirty="0">
-                  <a:solidFill>
-                    <a:sysClr val="windowText" lastClr="000000"/>
-                  </a:solidFill>
-                  <a:latin typeface="+mj-lt"/>
-                  <a:cs typeface="Arial" panose="020B0604020202020204" pitchFamily="34" charset="0"/>
-                </a:rPr>
-                <a:t> Wallet App</a:t>
-              </a:r>
-            </a:p>
-          </p:txBody>
-        </p:sp>
-        <p:sp>
-          <p:nvSpPr>
-            <p:cNvPr id="23" name="Rectangle 22">
-              <a:extLst>
-                <a:ext uri="{FF2B5EF4-FFF2-40B4-BE49-F238E27FC236}">
-                  <a16:creationId xmlns:a16="http://schemas.microsoft.com/office/drawing/2014/main" id="{FB0837E9-858F-33A9-9D48-19D072F62B9B}"/>
-                </a:ext>
-              </a:extLst>
-            </p:cNvPr>
-            <p:cNvSpPr/>
-            <p:nvPr/>
-          </p:nvSpPr>
-          <p:spPr>
-            <a:xfrm>
-              <a:off x="8044371" y="4546027"/>
-              <a:ext cx="516419" cy="562183"/>
-            </a:xfrm>
-            <a:prstGeom prst="rect">
-              <a:avLst/>
-            </a:prstGeom>
-            <a:solidFill>
-              <a:schemeClr val="tx1">
-                <a:lumMod val="95000"/>
-              </a:schemeClr>
-            </a:solidFill>
-            <a:ln w="28575">
-              <a:solidFill>
-                <a:schemeClr val="tx1">
-                  <a:lumMod val="50000"/>
-                </a:schemeClr>
-              </a:solidFill>
-              <a:prstDash val="solid"/>
-            </a:ln>
-          </p:spPr>
-          <p:style>
-            <a:lnRef idx="2">
-              <a:schemeClr val="accent1">
-                <a:shade val="50000"/>
-              </a:schemeClr>
-            </a:lnRef>
-            <a:fillRef idx="1">
-              <a:schemeClr val="accent1"/>
-            </a:fillRef>
-            <a:effectRef idx="0">
-              <a:schemeClr val="accent1"/>
-            </a:effectRef>
-            <a:fontRef idx="minor">
-              <a:schemeClr val="lt1"/>
-            </a:fontRef>
-          </p:style>
-          <p:txBody>
-            <a:bodyPr lIns="144000" tIns="144000" rIns="144000" bIns="144000" anchor="ctr"/>
-            <a:lstStyle/>
-            <a:p>
-              <a:pPr>
-                <a:defRPr/>
-              </a:pPr>
-              <a:r>
-                <a:rPr lang="en-GB" sz="3200" baseline="-9000" dirty="0">
-                  <a:solidFill>
-                    <a:schemeClr val="bg2">
-                      <a:lumMod val="40000"/>
-                      <a:lumOff val="60000"/>
-                    </a:schemeClr>
-                  </a:solidFill>
-                  <a:effectLst>
-                    <a:glow>
-                      <a:schemeClr val="bg1"/>
-                    </a:glow>
-                  </a:effectLst>
-                </a:rPr>
-                <a:t> 📣</a:t>
-              </a:r>
-              <a:endParaRPr lang="en-GB" sz="2400" dirty="0">
-                <a:solidFill>
-                  <a:sysClr val="windowText" lastClr="000000"/>
-                </a:solidFill>
-                <a:latin typeface="+mj-lt"/>
-                <a:cs typeface="Arial" panose="020B0604020202020204" pitchFamily="34" charset="0"/>
-              </a:endParaRPr>
-            </a:p>
-          </p:txBody>
-        </p:sp>
-        <p:sp>
-          <p:nvSpPr>
-            <p:cNvPr id="24" name="Rectangle 23">
-              <a:extLst>
-                <a:ext uri="{FF2B5EF4-FFF2-40B4-BE49-F238E27FC236}">
-                  <a16:creationId xmlns:a16="http://schemas.microsoft.com/office/drawing/2014/main" id="{D5DEA418-9B07-41A3-0A27-14EC7F8FBC8F}"/>
-                </a:ext>
-              </a:extLst>
-            </p:cNvPr>
-            <p:cNvSpPr/>
-            <p:nvPr/>
-          </p:nvSpPr>
-          <p:spPr>
-            <a:xfrm>
-              <a:off x="6214845" y="4546027"/>
-              <a:ext cx="1735093" cy="562183"/>
-            </a:xfrm>
-            <a:prstGeom prst="rect">
-              <a:avLst/>
-            </a:prstGeom>
-            <a:solidFill>
-              <a:schemeClr val="tx1">
-                <a:lumMod val="95000"/>
-              </a:schemeClr>
-            </a:solidFill>
-            <a:ln w="28575">
-              <a:solidFill>
-                <a:schemeClr val="tx1">
-                  <a:lumMod val="50000"/>
-                </a:schemeClr>
-              </a:solidFill>
-              <a:prstDash val="solid"/>
-            </a:ln>
-          </p:spPr>
-          <p:style>
-            <a:lnRef idx="2">
-              <a:schemeClr val="accent1">
-                <a:shade val="50000"/>
-              </a:schemeClr>
-            </a:lnRef>
-            <a:fillRef idx="1">
-              <a:schemeClr val="accent1"/>
-            </a:fillRef>
-            <a:effectRef idx="0">
-              <a:schemeClr val="accent1"/>
-            </a:effectRef>
-            <a:fontRef idx="minor">
-              <a:schemeClr val="lt1"/>
-            </a:fontRef>
-          </p:style>
-          <p:txBody>
-            <a:bodyPr lIns="144000" tIns="144000" rIns="144000" bIns="144000" anchor="ctr"/>
-            <a:lstStyle/>
-            <a:p>
-              <a:pPr>
-                <a:defRPr/>
-              </a:pPr>
-              <a:r>
-                <a:rPr lang="en-GB" sz="3200" baseline="-9000" dirty="0">
-                  <a:solidFill>
-                    <a:schemeClr val="bg2">
-                      <a:lumMod val="40000"/>
-                      <a:lumOff val="60000"/>
-                    </a:schemeClr>
-                  </a:solidFill>
-                  <a:effectLst>
-                    <a:glow>
-                      <a:schemeClr val="bg1"/>
-                    </a:glow>
-                  </a:effectLst>
-                </a:rPr>
-                <a:t>   </a:t>
-              </a:r>
-              <a:r>
-                <a:rPr lang="en-GB" sz="2400" dirty="0">
-                  <a:solidFill>
-                    <a:sysClr val="windowText" lastClr="000000"/>
-                  </a:solidFill>
-                  <a:latin typeface="+mj-lt"/>
-                  <a:cs typeface="Arial" panose="020B0604020202020204" pitchFamily="34" charset="0"/>
-                </a:rPr>
-                <a:t>  Broker</a:t>
-              </a:r>
-            </a:p>
-          </p:txBody>
-        </p:sp>
-      </p:grpSp>
-      <p:sp>
-        <p:nvSpPr>
-          <p:cNvPr id="25" name="Can 24">
-            <a:extLst>
-              <a:ext uri="{FF2B5EF4-FFF2-40B4-BE49-F238E27FC236}">
-                <a16:creationId xmlns:a16="http://schemas.microsoft.com/office/drawing/2014/main" id="{50ACF3B9-2A4C-ED66-049F-403A2D457126}"/>
-              </a:ext>
-            </a:extLst>
-          </p:cNvPr>
-          <p:cNvSpPr/>
-          <p:nvPr/>
-        </p:nvSpPr>
-        <p:spPr>
-          <a:xfrm>
-            <a:off x="7250179" y="3608752"/>
-            <a:ext cx="932976" cy="615232"/>
-          </a:xfrm>
-          <a:prstGeom prst="can">
-            <a:avLst/>
-          </a:prstGeom>
-          <a:ln/>
-        </p:spPr>
-        <p:style>
-          <a:lnRef idx="1">
-            <a:schemeClr val="accent3"/>
-          </a:lnRef>
-          <a:fillRef idx="3">
-            <a:schemeClr val="accent3"/>
-          </a:fillRef>
-          <a:effectRef idx="2">
-            <a:schemeClr val="accent3"/>
-          </a:effectRef>
-          <a:fontRef idx="minor">
-            <a:schemeClr val="lt1"/>
-          </a:fontRef>
-        </p:style>
-        <p:txBody>
-          <a:bodyPr lIns="45720" tIns="45720" rIns="45720" rtlCol="0" anchor="ctr"/>
-          <a:lstStyle/>
-          <a:p>
-            <a:pPr algn="ctr"/>
-            <a:r>
-              <a:rPr lang="en-GB" i="1" dirty="0">
-                <a:solidFill>
-                  <a:schemeClr val="bg2"/>
-                </a:solidFill>
-              </a:rPr>
-              <a:t>tokens</a:t>
-            </a:r>
-          </a:p>
-        </p:txBody>
-      </p:sp>
-      <p:sp>
-        <p:nvSpPr>
-          <p:cNvPr id="29" name="Rounded Rectangle 28">
-            <a:extLst>
-              <a:ext uri="{FF2B5EF4-FFF2-40B4-BE49-F238E27FC236}">
-                <a16:creationId xmlns:a16="http://schemas.microsoft.com/office/drawing/2014/main" id="{8251221D-0C2C-497D-5DE1-CFB331DB8163}"/>
-              </a:ext>
-            </a:extLst>
-          </p:cNvPr>
-          <p:cNvSpPr/>
-          <p:nvPr/>
-        </p:nvSpPr>
-        <p:spPr>
-          <a:xfrm>
-            <a:off x="3756805" y="2676944"/>
-            <a:ext cx="360000" cy="360000"/>
-          </a:xfrm>
-          <a:prstGeom prst="roundRect">
-            <a:avLst/>
-          </a:prstGeom>
-          <a:solidFill>
-            <a:schemeClr val="accent2"/>
-          </a:solidFill>
-          <a:ln>
-            <a:noFill/>
-          </a:ln>
-        </p:spPr>
-        <p:style>
-          <a:lnRef idx="0">
-            <a:scrgbClr r="0" g="0" b="0"/>
-          </a:lnRef>
-          <a:fillRef idx="0">
-            <a:scrgbClr r="0" g="0" b="0"/>
-          </a:fillRef>
-          <a:effectRef idx="0">
-            <a:scrgbClr r="0" g="0" b="0"/>
-          </a:effectRef>
-          <a:fontRef idx="minor">
-            <a:schemeClr val="lt1"/>
-          </a:fontRef>
-        </p:style>
-        <p:txBody>
-          <a:bodyPr lIns="45720" tIns="45720" rIns="45720" rtlCol="0" anchor="ctr"/>
-          <a:lstStyle/>
-          <a:p>
-            <a:pPr algn="ctr"/>
-            <a:r>
-              <a:rPr lang="en-GB" b="1" dirty="0">
-                <a:solidFill>
-                  <a:schemeClr val="tx1"/>
-                </a:solidFill>
-              </a:rPr>
-              <a:t>B</a:t>
-            </a:r>
-          </a:p>
-        </p:txBody>
-      </p:sp>
-      <p:sp>
-        <p:nvSpPr>
-          <p:cNvPr id="32" name="Rectangle 31">
-            <a:extLst>
-              <a:ext uri="{FF2B5EF4-FFF2-40B4-BE49-F238E27FC236}">
-                <a16:creationId xmlns:a16="http://schemas.microsoft.com/office/drawing/2014/main" id="{F1EC01AE-A162-0BF8-0ED8-47CAD195B61C}"/>
-              </a:ext>
-            </a:extLst>
-          </p:cNvPr>
-          <p:cNvSpPr/>
-          <p:nvPr/>
-        </p:nvSpPr>
-        <p:spPr>
-          <a:xfrm>
-            <a:off x="6591004" y="691987"/>
-            <a:ext cx="1583394" cy="562183"/>
-          </a:xfrm>
-          <a:prstGeom prst="rect">
-            <a:avLst/>
-          </a:prstGeom>
-          <a:solidFill>
-            <a:schemeClr val="tx1">
-              <a:lumMod val="95000"/>
-            </a:schemeClr>
-          </a:solidFill>
-          <a:ln w="28575">
-            <a:solidFill>
-              <a:schemeClr val="tx1">
-                <a:lumMod val="50000"/>
-              </a:schemeClr>
-            </a:solidFill>
-            <a:prstDash val="solid"/>
-          </a:ln>
-        </p:spPr>
-        <p:style>
-          <a:lnRef idx="2">
-            <a:schemeClr val="accent1">
-              <a:shade val="50000"/>
-            </a:schemeClr>
-          </a:lnRef>
-          <a:fillRef idx="1">
-            <a:schemeClr val="accent1"/>
-          </a:fillRef>
-          <a:effectRef idx="0">
-            <a:schemeClr val="accent1"/>
-          </a:effectRef>
-          <a:fontRef idx="minor">
-            <a:schemeClr val="lt1"/>
-          </a:fontRef>
-        </p:style>
-        <p:txBody>
-          <a:bodyPr lIns="144000" tIns="144000" rIns="144000" bIns="144000" anchor="ctr"/>
-          <a:lstStyle/>
-          <a:p>
-            <a:r>
-              <a:rPr lang="en-GB" sz="3200" baseline="-9000" dirty="0">
-                <a:solidFill>
-                  <a:schemeClr val="bg2">
-                    <a:lumMod val="40000"/>
-                    <a:lumOff val="60000"/>
-                  </a:schemeClr>
-                </a:solidFill>
-                <a:effectLst>
-                  <a:glow>
-                    <a:schemeClr val="bg1"/>
-                  </a:glow>
-                </a:effectLst>
-              </a:rPr>
-              <a:t>🎴</a:t>
-            </a:r>
-            <a:r>
-              <a:rPr lang="en-GB" sz="2400" dirty="0">
-                <a:solidFill>
-                  <a:sysClr val="windowText" lastClr="000000"/>
-                </a:solidFill>
-                <a:latin typeface="+mj-lt"/>
-                <a:cs typeface="Arial" panose="020B0604020202020204" pitchFamily="34" charset="0"/>
-              </a:rPr>
-              <a:t> Issuer</a:t>
-            </a:r>
-          </a:p>
-        </p:txBody>
-      </p:sp>
-      <p:sp>
-        <p:nvSpPr>
-          <p:cNvPr id="47" name="Rectangle 46">
-            <a:extLst>
-              <a:ext uri="{FF2B5EF4-FFF2-40B4-BE49-F238E27FC236}">
-                <a16:creationId xmlns:a16="http://schemas.microsoft.com/office/drawing/2014/main" id="{6200E4E1-312B-0777-8F97-952B0ADCEDB7}"/>
-              </a:ext>
-            </a:extLst>
-          </p:cNvPr>
-          <p:cNvSpPr/>
-          <p:nvPr/>
-        </p:nvSpPr>
-        <p:spPr>
-          <a:xfrm>
-            <a:off x="8272585" y="691987"/>
-            <a:ext cx="580449" cy="562183"/>
-          </a:xfrm>
-          <a:prstGeom prst="rect">
-            <a:avLst/>
-          </a:prstGeom>
-          <a:solidFill>
-            <a:schemeClr val="tx1"/>
-          </a:solidFill>
-          <a:ln w="28575">
-            <a:solidFill>
-              <a:schemeClr val="tx1">
-                <a:lumMod val="50000"/>
-              </a:schemeClr>
-            </a:solidFill>
-            <a:prstDash val="solid"/>
-          </a:ln>
-        </p:spPr>
-        <p:style>
-          <a:lnRef idx="2">
-            <a:schemeClr val="accent1">
-              <a:shade val="50000"/>
-            </a:schemeClr>
-          </a:lnRef>
-          <a:fillRef idx="1">
-            <a:schemeClr val="accent1"/>
-          </a:fillRef>
-          <a:effectRef idx="0">
-            <a:schemeClr val="accent1"/>
-          </a:effectRef>
-          <a:fontRef idx="minor">
-            <a:schemeClr val="lt1"/>
-          </a:fontRef>
-        </p:style>
-        <p:txBody>
-          <a:bodyPr lIns="144000" tIns="144000" rIns="144000" bIns="144000" anchor="ctr"/>
-          <a:lstStyle/>
-          <a:p>
-            <a:r>
-              <a:rPr lang="en-GB" sz="3200" baseline="-9000" dirty="0">
-                <a:solidFill>
-                  <a:schemeClr val="tx1"/>
-                </a:solidFill>
-                <a:effectLst>
-                  <a:glow>
-                    <a:schemeClr val="bg1"/>
-                  </a:glow>
-                </a:effectLst>
-              </a:rPr>
-              <a:t>🗄️</a:t>
-            </a:r>
-          </a:p>
-        </p:txBody>
-      </p:sp>
-      <p:cxnSp>
-        <p:nvCxnSpPr>
-          <p:cNvPr id="28" name="Straight Arrow Connector 12">
-            <a:extLst>
-              <a:ext uri="{FF2B5EF4-FFF2-40B4-BE49-F238E27FC236}">
-                <a16:creationId xmlns:a16="http://schemas.microsoft.com/office/drawing/2014/main" id="{C33BBA03-681B-0D41-1FCF-879705ADE0CB}"/>
-              </a:ext>
-            </a:extLst>
-          </p:cNvPr>
-          <p:cNvCxnSpPr>
-            <a:cxnSpLocks/>
-          </p:cNvCxnSpPr>
-          <p:nvPr/>
-        </p:nvCxnSpPr>
-        <p:spPr>
-          <a:xfrm flipV="1">
-            <a:off x="6845276" y="4211252"/>
-            <a:ext cx="3" cy="1197604"/>
-          </a:xfrm>
-          <a:prstGeom prst="straightConnector1">
-            <a:avLst/>
-          </a:prstGeom>
-          <a:ln w="19050" cap="rnd">
-            <a:solidFill>
-              <a:schemeClr val="tx1">
-                <a:lumMod val="75000"/>
-              </a:schemeClr>
-            </a:solidFill>
-            <a:round/>
-            <a:tailEnd type="triangle" w="lg" len="lg"/>
-          </a:ln>
-        </p:spPr>
-        <p:style>
-          <a:lnRef idx="1">
-            <a:schemeClr val="accent1"/>
-          </a:lnRef>
-          <a:fillRef idx="0">
-            <a:schemeClr val="accent1"/>
-          </a:fillRef>
-          <a:effectRef idx="0">
-            <a:schemeClr val="accent1"/>
-          </a:effectRef>
-          <a:fontRef idx="minor">
-            <a:schemeClr val="tx1"/>
-          </a:fontRef>
-        </p:style>
-      </p:cxnSp>
-      <p:sp>
-        <p:nvSpPr>
-          <p:cNvPr id="98" name="Rounded Rectangle 97">
-            <a:extLst>
-              <a:ext uri="{FF2B5EF4-FFF2-40B4-BE49-F238E27FC236}">
-                <a16:creationId xmlns:a16="http://schemas.microsoft.com/office/drawing/2014/main" id="{44145EB6-B680-B5F1-D502-2FF0C9766951}"/>
-              </a:ext>
-            </a:extLst>
-          </p:cNvPr>
-          <p:cNvSpPr/>
-          <p:nvPr/>
-        </p:nvSpPr>
-        <p:spPr>
-          <a:xfrm>
-            <a:off x="6666548" y="4524413"/>
-            <a:ext cx="360000" cy="360000"/>
-          </a:xfrm>
-          <a:prstGeom prst="roundRect">
-            <a:avLst/>
-          </a:prstGeom>
-          <a:solidFill>
-            <a:schemeClr val="accent2"/>
-          </a:solidFill>
-          <a:ln>
-            <a:noFill/>
-          </a:ln>
-        </p:spPr>
-        <p:style>
-          <a:lnRef idx="0">
-            <a:scrgbClr r="0" g="0" b="0"/>
-          </a:lnRef>
-          <a:fillRef idx="0">
-            <a:scrgbClr r="0" g="0" b="0"/>
-          </a:fillRef>
-          <a:effectRef idx="0">
-            <a:scrgbClr r="0" g="0" b="0"/>
-          </a:effectRef>
-          <a:fontRef idx="minor">
-            <a:schemeClr val="lt1"/>
-          </a:fontRef>
-        </p:style>
-        <p:txBody>
-          <a:bodyPr lIns="45720" tIns="45720" rIns="45720" rtlCol="0" anchor="ctr"/>
-          <a:lstStyle/>
-          <a:p>
-            <a:pPr algn="ctr"/>
-            <a:r>
-              <a:rPr lang="en-GB" b="1" dirty="0">
-                <a:solidFill>
-                  <a:schemeClr val="tx1"/>
-                </a:solidFill>
-              </a:rPr>
-              <a:t>A</a:t>
-            </a:r>
-          </a:p>
-        </p:txBody>
-      </p:sp>
-      <p:cxnSp>
-        <p:nvCxnSpPr>
-          <p:cNvPr id="102" name="Straight Arrow Connector 12">
-            <a:extLst>
-              <a:ext uri="{FF2B5EF4-FFF2-40B4-BE49-F238E27FC236}">
-                <a16:creationId xmlns:a16="http://schemas.microsoft.com/office/drawing/2014/main" id="{CE3586F7-858E-2A4C-2DB5-90DD021D7E29}"/>
-              </a:ext>
-            </a:extLst>
-          </p:cNvPr>
-          <p:cNvCxnSpPr>
-            <a:cxnSpLocks/>
-          </p:cNvCxnSpPr>
-          <p:nvPr/>
-        </p:nvCxnSpPr>
-        <p:spPr>
-          <a:xfrm>
-            <a:off x="7733634" y="4211252"/>
-            <a:ext cx="0" cy="1197604"/>
-          </a:xfrm>
-          <a:prstGeom prst="straightConnector1">
-            <a:avLst/>
-          </a:prstGeom>
-          <a:ln w="19050" cap="rnd">
-            <a:solidFill>
-              <a:schemeClr val="tx1">
-                <a:lumMod val="75000"/>
-              </a:schemeClr>
-            </a:solidFill>
-            <a:round/>
-            <a:tailEnd type="triangle" w="lg" len="lg"/>
-          </a:ln>
-        </p:spPr>
-        <p:style>
-          <a:lnRef idx="1">
-            <a:schemeClr val="accent1"/>
-          </a:lnRef>
-          <a:fillRef idx="0">
-            <a:schemeClr val="accent1"/>
-          </a:fillRef>
-          <a:effectRef idx="0">
-            <a:schemeClr val="accent1"/>
-          </a:effectRef>
-          <a:fontRef idx="minor">
-            <a:schemeClr val="tx1"/>
-          </a:fontRef>
-        </p:style>
-      </p:cxnSp>
-      <p:sp>
-        <p:nvSpPr>
-          <p:cNvPr id="105" name="Rounded Rectangle 104">
-            <a:extLst>
-              <a:ext uri="{FF2B5EF4-FFF2-40B4-BE49-F238E27FC236}">
-                <a16:creationId xmlns:a16="http://schemas.microsoft.com/office/drawing/2014/main" id="{D5511235-0EA5-4723-A7F6-58A0D155041D}"/>
-              </a:ext>
-            </a:extLst>
-          </p:cNvPr>
-          <p:cNvSpPr/>
-          <p:nvPr/>
-        </p:nvSpPr>
-        <p:spPr>
-          <a:xfrm>
-            <a:off x="7553680" y="4711256"/>
-            <a:ext cx="360000" cy="360000"/>
-          </a:xfrm>
-          <a:prstGeom prst="roundRect">
-            <a:avLst/>
-          </a:prstGeom>
-          <a:solidFill>
-            <a:schemeClr val="accent2"/>
-          </a:solidFill>
-          <a:ln>
-            <a:noFill/>
-          </a:ln>
-        </p:spPr>
-        <p:style>
-          <a:lnRef idx="0">
-            <a:scrgbClr r="0" g="0" b="0"/>
-          </a:lnRef>
-          <a:fillRef idx="0">
-            <a:scrgbClr r="0" g="0" b="0"/>
-          </a:fillRef>
-          <a:effectRef idx="0">
-            <a:scrgbClr r="0" g="0" b="0"/>
-          </a:effectRef>
-          <a:fontRef idx="minor">
-            <a:schemeClr val="lt1"/>
-          </a:fontRef>
-        </p:style>
-        <p:txBody>
-          <a:bodyPr lIns="45720" tIns="45720" rIns="45720" rtlCol="0" anchor="ctr"/>
-          <a:lstStyle/>
-          <a:p>
-            <a:pPr algn="ctr"/>
-            <a:r>
-              <a:rPr lang="en-GB" b="1" dirty="0">
-                <a:solidFill>
-                  <a:schemeClr val="tx1"/>
-                </a:solidFill>
-              </a:rPr>
-              <a:t>C</a:t>
-            </a:r>
-          </a:p>
-        </p:txBody>
-      </p:sp>
-      <p:sp>
-        <p:nvSpPr>
-          <p:cNvPr id="5" name="TextBox 4">
-            <a:extLst>
-              <a:ext uri="{FF2B5EF4-FFF2-40B4-BE49-F238E27FC236}">
-                <a16:creationId xmlns:a16="http://schemas.microsoft.com/office/drawing/2014/main" id="{4350EB9A-B57A-35CB-A90E-007F02B977F3}"/>
-              </a:ext>
-            </a:extLst>
-          </p:cNvPr>
-          <p:cNvSpPr txBox="1"/>
-          <p:nvPr/>
-        </p:nvSpPr>
-        <p:spPr>
-          <a:xfrm>
-            <a:off x="5083763" y="2727188"/>
-            <a:ext cx="502683" cy="861774"/>
-          </a:xfrm>
-          <a:prstGeom prst="rect">
-            <a:avLst/>
-          </a:prstGeom>
-          <a:noFill/>
-        </p:spPr>
-        <p:txBody>
-          <a:bodyPr wrap="square">
-            <a:spAutoFit/>
-          </a:bodyPr>
-          <a:lstStyle/>
-          <a:p>
-            <a:r>
-              <a:rPr lang="en-GB" sz="5000" baseline="-9000" dirty="0">
-                <a:solidFill>
-                  <a:schemeClr val="bg2">
-                    <a:lumMod val="40000"/>
-                    <a:lumOff val="60000"/>
-                  </a:schemeClr>
-                </a:solidFill>
-                <a:effectLst>
-                  <a:glow>
-                    <a:schemeClr val="bg1"/>
-                  </a:glow>
-                </a:effectLst>
-              </a:rPr>
-              <a:t>🤵</a:t>
-            </a:r>
-            <a:endParaRPr lang="en-US" sz="5000" dirty="0"/>
-          </a:p>
-        </p:txBody>
-      </p:sp>
-      <p:sp>
-        <p:nvSpPr>
-          <p:cNvPr id="7" name="TextBox 6">
-            <a:extLst>
-              <a:ext uri="{FF2B5EF4-FFF2-40B4-BE49-F238E27FC236}">
-                <a16:creationId xmlns:a16="http://schemas.microsoft.com/office/drawing/2014/main" id="{8E1BC27B-549F-D343-E8BC-7EF92187BC54}"/>
-              </a:ext>
-            </a:extLst>
-          </p:cNvPr>
-          <p:cNvSpPr txBox="1"/>
-          <p:nvPr/>
-        </p:nvSpPr>
-        <p:spPr>
-          <a:xfrm>
-            <a:off x="178670" y="6248084"/>
-            <a:ext cx="1920398" cy="523220"/>
-          </a:xfrm>
-          <a:prstGeom prst="rect">
-            <a:avLst/>
-          </a:prstGeom>
-          <a:noFill/>
-        </p:spPr>
-        <p:txBody>
-          <a:bodyPr wrap="none" lIns="0" rIns="0" rtlCol="0">
-            <a:spAutoFit/>
-          </a:bodyPr>
-          <a:lstStyle/>
-          <a:p>
-            <a:pPr algn="l"/>
-            <a:r>
-              <a:rPr lang="en-GB" sz="2800" dirty="0">
-                <a:solidFill>
-                  <a:srgbClr val="FFFF00"/>
-                </a:solidFill>
-              </a:rPr>
-              <a:t>CONSUMER</a:t>
-            </a:r>
-          </a:p>
-        </p:txBody>
-      </p:sp>
-    </p:spTree>
-    <p:extLst>
-      <p:ext uri="{BB962C8B-B14F-4D97-AF65-F5344CB8AC3E}">
-        <p14:creationId xmlns:p14="http://schemas.microsoft.com/office/powerpoint/2010/main" val="2707042238"/>
-      </p:ext>
-    </p:extLst>
-  </p:cSld>
-  <p:clrMapOvr>
-    <a:masterClrMapping/>
-  </p:clrMapOvr>
-  <p:transition>
-    <p:fade/>
-  </p:transition>
 </p:sld>
 </file>
 
